--- a/Press Button, Get Development Environment.pptx
+++ b/Press Button, Get Development Environment.pptx
@@ -11,6 +11,7 @@
     <p:sldId id="259" r:id="rId5"/>
     <p:sldId id="260" r:id="rId6"/>
     <p:sldId id="261" r:id="rId7"/>
+    <p:sldId id="262" r:id="rId8"/>
   </p:sldIdLst>
   <p:sldSz cx="12192000" cy="6858000"/>
   <p:notesSz cx="6858000" cy="9144000"/>
@@ -109,6 +110,11 @@
       </a:defRPr>
     </a:lvl9pPr>
   </p:defaultTextStyle>
+  <p:extLst>
+    <p:ext uri="{EFAFB233-063F-42B5-8137-9DF3F51BA10A}">
+      <p15:sldGuideLst xmlns:p15="http://schemas.microsoft.com/office/powerpoint/2012/main"/>
+    </p:ext>
+  </p:extLst>
 </p:presentation>
 </file>
 
@@ -259,7 +265,7 @@
           <a:p>
             <a:fld id="{A1644ED5-DBC8-49E8-8D6E-1C3C2E667529}" type="datetimeFigureOut">
               <a:rPr lang="en-US" smtClean="0"/>
-              <a:t>10/14/2022</a:t>
+              <a:t>10/18/2022</a:t>
             </a:fld>
             <a:endParaRPr lang="en-US"/>
           </a:p>
@@ -457,7 +463,7 @@
           <a:p>
             <a:fld id="{A1644ED5-DBC8-49E8-8D6E-1C3C2E667529}" type="datetimeFigureOut">
               <a:rPr lang="en-US" smtClean="0"/>
-              <a:t>10/14/2022</a:t>
+              <a:t>10/18/2022</a:t>
             </a:fld>
             <a:endParaRPr lang="en-US"/>
           </a:p>
@@ -665,7 +671,7 @@
           <a:p>
             <a:fld id="{A1644ED5-DBC8-49E8-8D6E-1C3C2E667529}" type="datetimeFigureOut">
               <a:rPr lang="en-US" smtClean="0"/>
-              <a:t>10/14/2022</a:t>
+              <a:t>10/18/2022</a:t>
             </a:fld>
             <a:endParaRPr lang="en-US"/>
           </a:p>
@@ -863,7 +869,7 @@
           <a:p>
             <a:fld id="{A1644ED5-DBC8-49E8-8D6E-1C3C2E667529}" type="datetimeFigureOut">
               <a:rPr lang="en-US" smtClean="0"/>
-              <a:t>10/14/2022</a:t>
+              <a:t>10/18/2022</a:t>
             </a:fld>
             <a:endParaRPr lang="en-US"/>
           </a:p>
@@ -1138,7 +1144,7 @@
           <a:p>
             <a:fld id="{A1644ED5-DBC8-49E8-8D6E-1C3C2E667529}" type="datetimeFigureOut">
               <a:rPr lang="en-US" smtClean="0"/>
-              <a:t>10/14/2022</a:t>
+              <a:t>10/18/2022</a:t>
             </a:fld>
             <a:endParaRPr lang="en-US"/>
           </a:p>
@@ -1403,7 +1409,7 @@
           <a:p>
             <a:fld id="{A1644ED5-DBC8-49E8-8D6E-1C3C2E667529}" type="datetimeFigureOut">
               <a:rPr lang="en-US" smtClean="0"/>
-              <a:t>10/14/2022</a:t>
+              <a:t>10/18/2022</a:t>
             </a:fld>
             <a:endParaRPr lang="en-US"/>
           </a:p>
@@ -1815,7 +1821,7 @@
           <a:p>
             <a:fld id="{A1644ED5-DBC8-49E8-8D6E-1C3C2E667529}" type="datetimeFigureOut">
               <a:rPr lang="en-US" smtClean="0"/>
-              <a:t>10/14/2022</a:t>
+              <a:t>10/18/2022</a:t>
             </a:fld>
             <a:endParaRPr lang="en-US"/>
           </a:p>
@@ -1956,7 +1962,7 @@
           <a:p>
             <a:fld id="{A1644ED5-DBC8-49E8-8D6E-1C3C2E667529}" type="datetimeFigureOut">
               <a:rPr lang="en-US" smtClean="0"/>
-              <a:t>10/14/2022</a:t>
+              <a:t>10/18/2022</a:t>
             </a:fld>
             <a:endParaRPr lang="en-US"/>
           </a:p>
@@ -2069,7 +2075,7 @@
           <a:p>
             <a:fld id="{A1644ED5-DBC8-49E8-8D6E-1C3C2E667529}" type="datetimeFigureOut">
               <a:rPr lang="en-US" smtClean="0"/>
-              <a:t>10/14/2022</a:t>
+              <a:t>10/18/2022</a:t>
             </a:fld>
             <a:endParaRPr lang="en-US"/>
           </a:p>
@@ -2380,7 +2386,7 @@
           <a:p>
             <a:fld id="{A1644ED5-DBC8-49E8-8D6E-1C3C2E667529}" type="datetimeFigureOut">
               <a:rPr lang="en-US" smtClean="0"/>
-              <a:t>10/14/2022</a:t>
+              <a:t>10/18/2022</a:t>
             </a:fld>
             <a:endParaRPr lang="en-US"/>
           </a:p>
@@ -2668,7 +2674,7 @@
           <a:p>
             <a:fld id="{A1644ED5-DBC8-49E8-8D6E-1C3C2E667529}" type="datetimeFigureOut">
               <a:rPr lang="en-US" smtClean="0"/>
-              <a:t>10/14/2022</a:t>
+              <a:t>10/18/2022</a:t>
             </a:fld>
             <a:endParaRPr lang="en-US"/>
           </a:p>
@@ -2909,7 +2915,7 @@
           <a:p>
             <a:fld id="{A1644ED5-DBC8-49E8-8D6E-1C3C2E667529}" type="datetimeFigureOut">
               <a:rPr lang="en-US" smtClean="0"/>
-              <a:t>10/14/2022</a:t>
+              <a:t>10/18/2022</a:t>
             </a:fld>
             <a:endParaRPr lang="en-US"/>
           </a:p>
@@ -3326,34 +3332,44 @@
           <a:chExt cx="0" cy="0"/>
         </a:xfrm>
       </p:grpSpPr>
-      <p:sp>
-        <p:nvSpPr>
-          <p:cNvPr id="2" name="Title 1">
-            <a:extLst>
-              <a:ext uri="{FF2B5EF4-FFF2-40B4-BE49-F238E27FC236}">
-                <a16:creationId xmlns:a16="http://schemas.microsoft.com/office/drawing/2014/main" id="{2E1C2416-F6F6-8805-5B4E-C314282FA572}"/>
-              </a:ext>
-            </a:extLst>
-          </p:cNvPr>
-          <p:cNvSpPr>
-            <a:spLocks noGrp="1"/>
-          </p:cNvSpPr>
-          <p:nvPr>
-            <p:ph type="ctrTitle"/>
-          </p:nvPr>
-        </p:nvSpPr>
-        <p:spPr/>
-        <p:txBody>
-          <a:bodyPr/>
-          <a:lstStyle/>
-          <a:p>
-            <a:r>
-              <a:rPr lang="en-US" dirty="0"/>
-              <a:t>Press Button, Get Development Environment</a:t>
-            </a:r>
-          </a:p>
-        </p:txBody>
-      </p:sp>
+      <p:pic>
+        <p:nvPicPr>
+          <p:cNvPr id="10" name="Picture 9">
+            <a:extLst>
+              <a:ext uri="{FF2B5EF4-FFF2-40B4-BE49-F238E27FC236}">
+                <a16:creationId xmlns:a16="http://schemas.microsoft.com/office/drawing/2014/main" id="{A5D60416-D2E0-691F-E2CB-B9BB5B613F8A}"/>
+              </a:ext>
+              <a:ext uri="{C183D7F6-B498-43B3-948B-1728B52AA6E4}">
+                <adec:decorative xmlns:adec="http://schemas.microsoft.com/office/drawing/2017/decorative" val="1"/>
+              </a:ext>
+            </a:extLst>
+          </p:cNvPr>
+          <p:cNvPicPr>
+            <a:picLocks noGrp="1" noRot="1" noChangeAspect="1" noMove="1" noResize="1" noEditPoints="1" noAdjustHandles="1" noChangeArrowheads="1" noChangeShapeType="1" noCrop="1"/>
+          </p:cNvPicPr>
+          <p:nvPr/>
+        </p:nvPicPr>
+        <p:blipFill rotWithShape="1">
+          <a:blip r:embed="rId2">
+            <a:extLst>
+              <a:ext uri="{28A0092B-C50C-407E-A947-70E740481C1C}">
+                <a14:useLocalDpi xmlns:a14="http://schemas.microsoft.com/office/drawing/2010/main" val="0"/>
+              </a:ext>
+            </a:extLst>
+          </a:blip>
+          <a:srcRect t="3455" b="3270"/>
+          <a:stretch/>
+        </p:blipFill>
+        <p:spPr>
+          <a:xfrm>
+            <a:off x="-22486" y="0"/>
+            <a:ext cx="12214486" cy="6858000"/>
+          </a:xfrm>
+          <a:prstGeom prst="rect">
+            <a:avLst/>
+          </a:prstGeom>
+        </p:spPr>
+      </p:pic>
       <p:sp>
         <p:nvSpPr>
           <p:cNvPr id="3" name="Subtitle 2">
@@ -3370,18 +3386,138 @@
             <p:ph type="subTitle" idx="1"/>
           </p:nvPr>
         </p:nvSpPr>
-        <p:spPr/>
-        <p:txBody>
-          <a:bodyPr/>
-          <a:lstStyle/>
-          <a:p>
-            <a:r>
-              <a:rPr lang="en-US" dirty="0"/>
+        <p:spPr>
+          <a:xfrm>
+            <a:off x="2513129" y="5551954"/>
+            <a:ext cx="5418222" cy="384425"/>
+          </a:xfrm>
+        </p:spPr>
+        <p:txBody>
+          <a:bodyPr>
+            <a:normAutofit fontScale="92500" lnSpcReduction="20000"/>
+          </a:bodyPr>
+          <a:lstStyle/>
+          <a:p>
+            <a:r>
+              <a:rPr lang="en-US" sz="2800" dirty="0">
+                <a:solidFill>
+                  <a:schemeClr val="bg1"/>
+                </a:solidFill>
+                <a:latin typeface="Rocket Sans Light" panose="020B0302020202020204" pitchFamily="34" charset="0"/>
+                <a:ea typeface="Rocket Sans Light" panose="020B0302020202020204" pitchFamily="34" charset="0"/>
+              </a:rPr>
               <a:t>Dev Containers in Action</a:t>
             </a:r>
           </a:p>
         </p:txBody>
       </p:sp>
+      <p:grpSp>
+        <p:nvGrpSpPr>
+          <p:cNvPr id="8" name="Group 7">
+            <a:extLst>
+              <a:ext uri="{FF2B5EF4-FFF2-40B4-BE49-F238E27FC236}">
+                <a16:creationId xmlns:a16="http://schemas.microsoft.com/office/drawing/2014/main" id="{6D2ED32B-0CF2-CEB9-F4E7-89BF845CDEDA}"/>
+              </a:ext>
+            </a:extLst>
+          </p:cNvPr>
+          <p:cNvGrpSpPr/>
+          <p:nvPr/>
+        </p:nvGrpSpPr>
+        <p:grpSpPr>
+          <a:xfrm>
+            <a:off x="592607" y="3429000"/>
+            <a:ext cx="9259266" cy="1585760"/>
+            <a:chOff x="1772653" y="1818160"/>
+            <a:chExt cx="9259266" cy="1585760"/>
+          </a:xfrm>
+        </p:grpSpPr>
+        <p:sp>
+          <p:nvSpPr>
+            <p:cNvPr id="4" name="TextBox 3">
+              <a:extLst>
+                <a:ext uri="{FF2B5EF4-FFF2-40B4-BE49-F238E27FC236}">
+                  <a16:creationId xmlns:a16="http://schemas.microsoft.com/office/drawing/2014/main" id="{652643EA-EDE9-1C58-A719-2F3DB1015F52}"/>
+                </a:ext>
+              </a:extLst>
+            </p:cNvPr>
+            <p:cNvSpPr txBox="1"/>
+            <p:nvPr/>
+          </p:nvSpPr>
+          <p:spPr>
+            <a:xfrm>
+              <a:off x="4458485" y="1818160"/>
+              <a:ext cx="3887603" cy="707886"/>
+            </a:xfrm>
+            <a:prstGeom prst="rect">
+              <a:avLst/>
+            </a:prstGeom>
+            <a:solidFill>
+              <a:srgbClr val="FF0000"/>
+            </a:solidFill>
+          </p:spPr>
+          <p:txBody>
+            <a:bodyPr wrap="none" rtlCol="0">
+              <a:spAutoFit/>
+            </a:bodyPr>
+            <a:lstStyle/>
+            <a:p>
+              <a:r>
+                <a:rPr lang="en-US" sz="4000" dirty="0">
+                  <a:solidFill>
+                    <a:schemeClr val="bg1"/>
+                  </a:solidFill>
+                  <a:latin typeface="Rocket Sans Medium" panose="020B0702020202020204" pitchFamily="34" charset="0"/>
+                  <a:ea typeface="Rocket Sans Medium" panose="020B0702020202020204" pitchFamily="34" charset="0"/>
+                </a:rPr>
+                <a:t>PUSH BUTTON</a:t>
+              </a:r>
+            </a:p>
+          </p:txBody>
+        </p:sp>
+        <p:sp>
+          <p:nvSpPr>
+            <p:cNvPr id="5" name="TextBox 4">
+              <a:extLst>
+                <a:ext uri="{FF2B5EF4-FFF2-40B4-BE49-F238E27FC236}">
+                  <a16:creationId xmlns:a16="http://schemas.microsoft.com/office/drawing/2014/main" id="{96FD6F74-EAE9-C1FE-755B-8E848BC9148B}"/>
+                </a:ext>
+              </a:extLst>
+            </p:cNvPr>
+            <p:cNvSpPr txBox="1"/>
+            <p:nvPr/>
+          </p:nvSpPr>
+          <p:spPr>
+            <a:xfrm>
+              <a:off x="1772653" y="2696034"/>
+              <a:ext cx="9259266" cy="707886"/>
+            </a:xfrm>
+            <a:prstGeom prst="rect">
+              <a:avLst/>
+            </a:prstGeom>
+            <a:solidFill>
+              <a:srgbClr val="FF0000"/>
+            </a:solidFill>
+          </p:spPr>
+          <p:txBody>
+            <a:bodyPr wrap="none" rtlCol="0">
+              <a:spAutoFit/>
+            </a:bodyPr>
+            <a:lstStyle/>
+            <a:p>
+              <a:r>
+                <a:rPr lang="en-US" sz="4000" dirty="0">
+                  <a:solidFill>
+                    <a:schemeClr val="bg1"/>
+                  </a:solidFill>
+                  <a:latin typeface="Rocket Sans Medium" panose="020B0702020202020204" pitchFamily="34" charset="0"/>
+                  <a:ea typeface="Rocket Sans Medium" panose="020B0702020202020204" pitchFamily="34" charset="0"/>
+                </a:rPr>
+                <a:t>GET DEVELOPMENT ENVIRONMENT</a:t>
+              </a:r>
+            </a:p>
+          </p:txBody>
+        </p:sp>
+      </p:grpSp>
     </p:spTree>
     <p:extLst>
       <p:ext uri="{BB962C8B-B14F-4D97-AF65-F5344CB8AC3E}">
@@ -3412,63 +3548,338 @@
           <a:chExt cx="0" cy="0"/>
         </a:xfrm>
       </p:grpSpPr>
-      <p:sp>
-        <p:nvSpPr>
-          <p:cNvPr id="2" name="Title 1">
-            <a:extLst>
-              <a:ext uri="{FF2B5EF4-FFF2-40B4-BE49-F238E27FC236}">
-                <a16:creationId xmlns:a16="http://schemas.microsoft.com/office/drawing/2014/main" id="{13EFD657-0527-0FE3-155E-6DD4B0AC7403}"/>
-              </a:ext>
-            </a:extLst>
-          </p:cNvPr>
-          <p:cNvSpPr>
-            <a:spLocks noGrp="1"/>
-          </p:cNvSpPr>
-          <p:nvPr>
-            <p:ph type="title"/>
-          </p:nvPr>
-        </p:nvSpPr>
-        <p:spPr/>
-        <p:txBody>
-          <a:bodyPr/>
-          <a:lstStyle/>
-          <a:p>
-            <a:r>
-              <a:rPr lang="en-US" dirty="0" err="1"/>
-              <a:t>Yo</a:t>
-            </a:r>
-            <a:r>
-              <a:rPr lang="en-US" dirty="0"/>
-              <a:t>.</a:t>
-            </a:r>
-          </a:p>
-        </p:txBody>
-      </p:sp>
-      <p:sp>
-        <p:nvSpPr>
-          <p:cNvPr id="3" name="Content Placeholder 2">
-            <a:extLst>
-              <a:ext uri="{FF2B5EF4-FFF2-40B4-BE49-F238E27FC236}">
-                <a16:creationId xmlns:a16="http://schemas.microsoft.com/office/drawing/2014/main" id="{6B5DF48A-30F5-4707-8944-7CB779C882B7}"/>
-              </a:ext>
-            </a:extLst>
-          </p:cNvPr>
-          <p:cNvSpPr>
-            <a:spLocks noGrp="1"/>
-          </p:cNvSpPr>
-          <p:nvPr>
-            <p:ph idx="1"/>
-          </p:nvPr>
-        </p:nvSpPr>
-        <p:spPr/>
-        <p:txBody>
-          <a:bodyPr/>
-          <a:lstStyle/>
-          <a:p>
-            <a:endParaRPr lang="en-US"/>
-          </a:p>
-        </p:txBody>
-      </p:sp>
+      <p:pic>
+        <p:nvPicPr>
+          <p:cNvPr id="18" name="Picture 17">
+            <a:extLst>
+              <a:ext uri="{FF2B5EF4-FFF2-40B4-BE49-F238E27FC236}">
+                <a16:creationId xmlns:a16="http://schemas.microsoft.com/office/drawing/2014/main" id="{5AFA8D3A-F726-52E6-D78C-70EEEF3DA126}"/>
+              </a:ext>
+              <a:ext uri="{C183D7F6-B498-43B3-948B-1728B52AA6E4}">
+                <adec:decorative xmlns:adec="http://schemas.microsoft.com/office/drawing/2017/decorative" val="1"/>
+              </a:ext>
+            </a:extLst>
+          </p:cNvPr>
+          <p:cNvPicPr>
+            <a:picLocks noGrp="1" noRot="1" noChangeAspect="1" noMove="1" noResize="1" noEditPoints="1" noAdjustHandles="1" noChangeArrowheads="1" noChangeShapeType="1" noCrop="1"/>
+          </p:cNvPicPr>
+          <p:nvPr/>
+        </p:nvPicPr>
+        <p:blipFill>
+          <a:blip r:embed="rId2">
+            <a:extLst>
+              <a:ext uri="{28A0092B-C50C-407E-A947-70E740481C1C}">
+                <a14:useLocalDpi xmlns:a14="http://schemas.microsoft.com/office/drawing/2010/main" val="0"/>
+              </a:ext>
+            </a:extLst>
+          </a:blip>
+          <a:stretch>
+            <a:fillRect/>
+          </a:stretch>
+        </p:blipFill>
+        <p:spPr>
+          <a:xfrm>
+            <a:off x="762000" y="0"/>
+            <a:ext cx="11430000" cy="6858000"/>
+          </a:xfrm>
+          <a:prstGeom prst="rect">
+            <a:avLst/>
+          </a:prstGeom>
+        </p:spPr>
+      </p:pic>
+      <p:grpSp>
+        <p:nvGrpSpPr>
+          <p:cNvPr id="8" name="Group 7">
+            <a:extLst>
+              <a:ext uri="{FF2B5EF4-FFF2-40B4-BE49-F238E27FC236}">
+                <a16:creationId xmlns:a16="http://schemas.microsoft.com/office/drawing/2014/main" id="{58065AEB-E663-B5E4-DE4C-BD3663A30639}"/>
+              </a:ext>
+            </a:extLst>
+          </p:cNvPr>
+          <p:cNvGrpSpPr/>
+          <p:nvPr/>
+        </p:nvGrpSpPr>
+        <p:grpSpPr>
+          <a:xfrm>
+            <a:off x="5408619" y="4824657"/>
+            <a:ext cx="5721780" cy="1341181"/>
+            <a:chOff x="489920" y="5305732"/>
+            <a:chExt cx="5206426" cy="1220382"/>
+          </a:xfrm>
+        </p:grpSpPr>
+        <p:pic>
+          <p:nvPicPr>
+            <p:cNvPr id="9" name="Graphic 8">
+              <a:extLst>
+                <a:ext uri="{FF2B5EF4-FFF2-40B4-BE49-F238E27FC236}">
+                  <a16:creationId xmlns:a16="http://schemas.microsoft.com/office/drawing/2014/main" id="{CB8EDF82-F17F-5377-C3B1-E6F6232A0A73}"/>
+                </a:ext>
+              </a:extLst>
+            </p:cNvPr>
+            <p:cNvPicPr>
+              <a:picLocks noChangeAspect="1"/>
+            </p:cNvPicPr>
+            <p:nvPr/>
+          </p:nvPicPr>
+          <p:blipFill>
+            <a:blip r:embed="rId3">
+              <a:extLst>
+                <a:ext uri="{96DAC541-7B7A-43D3-8B79-37D633B846F1}">
+                  <asvg:svgBlip xmlns:asvg="http://schemas.microsoft.com/office/drawing/2016/SVG/main" r:embed="rId4"/>
+                </a:ext>
+              </a:extLst>
+            </a:blip>
+            <a:stretch>
+              <a:fillRect/>
+            </a:stretch>
+          </p:blipFill>
+          <p:spPr>
+            <a:xfrm>
+              <a:off x="489920" y="5349690"/>
+              <a:ext cx="1256210" cy="1149751"/>
+            </a:xfrm>
+            <a:prstGeom prst="rect">
+              <a:avLst/>
+            </a:prstGeom>
+          </p:spPr>
+        </p:pic>
+        <p:grpSp>
+          <p:nvGrpSpPr>
+            <p:cNvPr id="10" name="Group 9">
+              <a:extLst>
+                <a:ext uri="{FF2B5EF4-FFF2-40B4-BE49-F238E27FC236}">
+                  <a16:creationId xmlns:a16="http://schemas.microsoft.com/office/drawing/2014/main" id="{CE0F0DCE-F464-8FA3-FB25-3B7E46E488A8}"/>
+                </a:ext>
+              </a:extLst>
+            </p:cNvPr>
+            <p:cNvGrpSpPr/>
+            <p:nvPr/>
+          </p:nvGrpSpPr>
+          <p:grpSpPr>
+            <a:xfrm>
+              <a:off x="1820495" y="5305732"/>
+              <a:ext cx="3875851" cy="1220382"/>
+              <a:chOff x="1820495" y="5305732"/>
+              <a:chExt cx="3875851" cy="1220382"/>
+            </a:xfrm>
+          </p:grpSpPr>
+          <p:sp>
+            <p:nvSpPr>
+              <p:cNvPr id="11" name="TextBox 10">
+                <a:extLst>
+                  <a:ext uri="{FF2B5EF4-FFF2-40B4-BE49-F238E27FC236}">
+                    <a16:creationId xmlns:a16="http://schemas.microsoft.com/office/drawing/2014/main" id="{8EF824E4-C965-B7C7-A9D7-D91D7AEC7CA3}"/>
+                  </a:ext>
+                </a:extLst>
+              </p:cNvPr>
+              <p:cNvSpPr txBox="1"/>
+              <p:nvPr/>
+            </p:nvSpPr>
+            <p:spPr>
+              <a:xfrm>
+                <a:off x="1820495" y="6218053"/>
+                <a:ext cx="1168648" cy="308061"/>
+              </a:xfrm>
+              <a:prstGeom prst="rect">
+                <a:avLst/>
+              </a:prstGeom>
+              <a:noFill/>
+            </p:spPr>
+            <p:txBody>
+              <a:bodyPr wrap="none" rtlCol="0">
+                <a:spAutoFit/>
+              </a:bodyPr>
+              <a:lstStyle/>
+              <a:p>
+                <a:r>
+                  <a:rPr lang="en-US" sz="1600" dirty="0">
+                    <a:solidFill>
+                      <a:schemeClr val="tx1">
+                        <a:lumMod val="95000"/>
+                        <a:lumOff val="5000"/>
+                      </a:schemeClr>
+                    </a:solidFill>
+                    <a:latin typeface="Rocket Sans Light" panose="020B0302020202020204" pitchFamily="34" charset="0"/>
+                    <a:ea typeface="Rocket Sans Light" panose="020B0302020202020204" pitchFamily="34" charset="0"/>
+                  </a:rPr>
+                  <a:t>@cabarney</a:t>
+                </a:r>
+              </a:p>
+            </p:txBody>
+          </p:sp>
+          <p:sp>
+            <p:nvSpPr>
+              <p:cNvPr id="12" name="TextBox 11">
+                <a:extLst>
+                  <a:ext uri="{FF2B5EF4-FFF2-40B4-BE49-F238E27FC236}">
+                    <a16:creationId xmlns:a16="http://schemas.microsoft.com/office/drawing/2014/main" id="{F8DCFBCF-5417-84B0-8E37-7900E16A0F37}"/>
+                  </a:ext>
+                </a:extLst>
+              </p:cNvPr>
+              <p:cNvSpPr txBox="1"/>
+              <p:nvPr/>
+            </p:nvSpPr>
+            <p:spPr>
+              <a:xfrm>
+                <a:off x="1820495" y="5305732"/>
+                <a:ext cx="3352349" cy="476094"/>
+              </a:xfrm>
+              <a:prstGeom prst="rect">
+                <a:avLst/>
+              </a:prstGeom>
+              <a:noFill/>
+            </p:spPr>
+            <p:txBody>
+              <a:bodyPr wrap="square" rtlCol="0">
+                <a:spAutoFit/>
+              </a:bodyPr>
+              <a:lstStyle/>
+              <a:p>
+                <a:r>
+                  <a:rPr lang="en-US" sz="2800" dirty="0">
+                    <a:solidFill>
+                      <a:schemeClr val="tx1">
+                        <a:lumMod val="95000"/>
+                        <a:lumOff val="5000"/>
+                      </a:schemeClr>
+                    </a:solidFill>
+                    <a:latin typeface="Rocket Sans Medium" panose="020B0702020202020204" pitchFamily="34" charset="0"/>
+                    <a:ea typeface="Rocket Sans Medium" panose="020B0702020202020204" pitchFamily="34" charset="0"/>
+                  </a:rPr>
+                  <a:t>Adam Barney</a:t>
+                </a:r>
+              </a:p>
+            </p:txBody>
+          </p:sp>
+          <p:sp>
+            <p:nvSpPr>
+              <p:cNvPr id="13" name="TextBox 12">
+                <a:extLst>
+                  <a:ext uri="{FF2B5EF4-FFF2-40B4-BE49-F238E27FC236}">
+                    <a16:creationId xmlns:a16="http://schemas.microsoft.com/office/drawing/2014/main" id="{84E7E4D5-494D-108F-6CB7-2B4F947879C7}"/>
+                  </a:ext>
+                </a:extLst>
+              </p:cNvPr>
+              <p:cNvSpPr txBox="1"/>
+              <p:nvPr/>
+            </p:nvSpPr>
+            <p:spPr>
+              <a:xfrm>
+                <a:off x="1820495" y="5736197"/>
+                <a:ext cx="3875851" cy="308061"/>
+              </a:xfrm>
+              <a:prstGeom prst="rect">
+                <a:avLst/>
+              </a:prstGeom>
+              <a:noFill/>
+            </p:spPr>
+            <p:txBody>
+              <a:bodyPr wrap="none" rtlCol="0">
+                <a:spAutoFit/>
+              </a:bodyPr>
+              <a:lstStyle/>
+              <a:p>
+                <a:r>
+                  <a:rPr lang="en-US" sz="1600" dirty="0">
+                    <a:solidFill>
+                      <a:schemeClr val="tx1">
+                        <a:lumMod val="95000"/>
+                        <a:lumOff val="5000"/>
+                      </a:schemeClr>
+                    </a:solidFill>
+                    <a:latin typeface="Rocket Sans Light" panose="020B0302020202020204" pitchFamily="34" charset="0"/>
+                    <a:ea typeface="Rocket Sans Light" panose="020B0302020202020204" pitchFamily="34" charset="0"/>
+                  </a:rPr>
+                  <a:t>Staff Software Engineer, Rocket Mortgage</a:t>
+                </a:r>
+              </a:p>
+            </p:txBody>
+          </p:sp>
+          <p:sp>
+            <p:nvSpPr>
+              <p:cNvPr id="14" name="TextBox 13">
+                <a:extLst>
+                  <a:ext uri="{FF2B5EF4-FFF2-40B4-BE49-F238E27FC236}">
+                    <a16:creationId xmlns:a16="http://schemas.microsoft.com/office/drawing/2014/main" id="{7E1B9C26-9CFA-8D14-6055-6D596D0AECB7}"/>
+                  </a:ext>
+                </a:extLst>
+              </p:cNvPr>
+              <p:cNvSpPr txBox="1"/>
+              <p:nvPr/>
+            </p:nvSpPr>
+            <p:spPr>
+              <a:xfrm>
+                <a:off x="1820495" y="5977125"/>
+                <a:ext cx="3340538" cy="308061"/>
+              </a:xfrm>
+              <a:prstGeom prst="rect">
+                <a:avLst/>
+              </a:prstGeom>
+              <a:noFill/>
+            </p:spPr>
+            <p:txBody>
+              <a:bodyPr wrap="none" rtlCol="0">
+                <a:spAutoFit/>
+              </a:bodyPr>
+              <a:lstStyle/>
+              <a:p>
+                <a:r>
+                  <a:rPr lang="en-US" sz="1600" dirty="0">
+                    <a:solidFill>
+                      <a:schemeClr val="tx1">
+                        <a:lumMod val="95000"/>
+                        <a:lumOff val="5000"/>
+                      </a:schemeClr>
+                    </a:solidFill>
+                    <a:latin typeface="Rocket Sans Light" panose="020B0302020202020204" pitchFamily="34" charset="0"/>
+                    <a:ea typeface="Rocket Sans Light" panose="020B0302020202020204" pitchFamily="34" charset="0"/>
+                  </a:rPr>
+                  <a:t>adambarney@rocketmortgage.com</a:t>
+                </a:r>
+              </a:p>
+            </p:txBody>
+          </p:sp>
+        </p:grpSp>
+      </p:grpSp>
+      <p:pic>
+        <p:nvPicPr>
+          <p:cNvPr id="16" name="Graphic 15">
+            <a:extLst>
+              <a:ext uri="{FF2B5EF4-FFF2-40B4-BE49-F238E27FC236}">
+                <a16:creationId xmlns:a16="http://schemas.microsoft.com/office/drawing/2014/main" id="{8D3318CC-9511-C6E7-946B-AA520E5DBEF1}"/>
+              </a:ext>
+            </a:extLst>
+          </p:cNvPr>
+          <p:cNvPicPr>
+            <a:picLocks noChangeAspect="1"/>
+          </p:cNvPicPr>
+          <p:nvPr/>
+        </p:nvPicPr>
+        <p:blipFill>
+          <a:blip r:embed="rId5">
+            <a:extLst>
+              <a:ext uri="{28A0092B-C50C-407E-A947-70E740481C1C}">
+                <a14:useLocalDpi xmlns:a14="http://schemas.microsoft.com/office/drawing/2010/main" val="0"/>
+              </a:ext>
+              <a:ext uri="{96DAC541-7B7A-43D3-8B79-37D633B846F1}">
+                <asvg:svgBlip xmlns:asvg="http://schemas.microsoft.com/office/drawing/2016/SVG/main" r:embed="rId6"/>
+              </a:ext>
+            </a:extLst>
+          </a:blip>
+          <a:stretch>
+            <a:fillRect/>
+          </a:stretch>
+        </p:blipFill>
+        <p:spPr>
+          <a:xfrm>
+            <a:off x="1203103" y="1266102"/>
+            <a:ext cx="9785793" cy="1658609"/>
+          </a:xfrm>
+          <a:prstGeom prst="rect">
+            <a:avLst/>
+          </a:prstGeom>
+        </p:spPr>
+      </p:pic>
     </p:spTree>
     <p:extLst>
       <p:ext uri="{BB962C8B-B14F-4D97-AF65-F5344CB8AC3E}">
@@ -3499,6 +3910,44 @@
           <a:chExt cx="0" cy="0"/>
         </a:xfrm>
       </p:grpSpPr>
+      <p:pic>
+        <p:nvPicPr>
+          <p:cNvPr id="6" name="Picture 5">
+            <a:extLst>
+              <a:ext uri="{FF2B5EF4-FFF2-40B4-BE49-F238E27FC236}">
+                <a16:creationId xmlns:a16="http://schemas.microsoft.com/office/drawing/2014/main" id="{9A05A200-08FA-A99C-BEDA-6C5E533A81D2}"/>
+              </a:ext>
+              <a:ext uri="{C183D7F6-B498-43B3-948B-1728B52AA6E4}">
+                <adec:decorative xmlns:adec="http://schemas.microsoft.com/office/drawing/2017/decorative" val="1"/>
+              </a:ext>
+            </a:extLst>
+          </p:cNvPr>
+          <p:cNvPicPr>
+            <a:picLocks noChangeAspect="1"/>
+          </p:cNvPicPr>
+          <p:nvPr/>
+        </p:nvPicPr>
+        <p:blipFill rotWithShape="1">
+          <a:blip r:embed="rId2">
+            <a:extLst>
+              <a:ext uri="{28A0092B-C50C-407E-A947-70E740481C1C}">
+                <a14:useLocalDpi xmlns:a14="http://schemas.microsoft.com/office/drawing/2010/main" val="0"/>
+              </a:ext>
+            </a:extLst>
+          </a:blip>
+          <a:srcRect l="-51" r="51" b="26375"/>
+          <a:stretch/>
+        </p:blipFill>
+        <p:spPr>
+          <a:xfrm>
+            <a:off x="-6280" y="0"/>
+            <a:ext cx="12198280" cy="6858000"/>
+          </a:xfrm>
+          <a:prstGeom prst="rect">
+            <a:avLst/>
+          </a:prstGeom>
+        </p:spPr>
+      </p:pic>
       <p:sp>
         <p:nvSpPr>
           <p:cNvPr id="2" name="Title 1">
@@ -3521,7 +3970,13 @@
           <a:lstStyle/>
           <a:p>
             <a:r>
-              <a:rPr lang="en-US" dirty="0"/>
+              <a:rPr lang="en-US" dirty="0">
+                <a:solidFill>
+                  <a:schemeClr val="bg1"/>
+                </a:solidFill>
+                <a:latin typeface="Rocket Sans Medium" panose="020B0702020202020204" pitchFamily="34" charset="0"/>
+                <a:ea typeface="Rocket Sans Medium" panose="020B0702020202020204" pitchFamily="34" charset="0"/>
+              </a:rPr>
               <a:t>What problem are we solving?</a:t>
             </a:r>
           </a:p>
@@ -3557,6 +4012,45 @@
           <a:chExt cx="0" cy="0"/>
         </a:xfrm>
       </p:grpSpPr>
+      <p:pic>
+        <p:nvPicPr>
+          <p:cNvPr id="3" name="Picture 2">
+            <a:extLst>
+              <a:ext uri="{FF2B5EF4-FFF2-40B4-BE49-F238E27FC236}">
+                <a16:creationId xmlns:a16="http://schemas.microsoft.com/office/drawing/2014/main" id="{A2C4D528-9506-6304-0517-0923E265A7C1}"/>
+              </a:ext>
+              <a:ext uri="{C183D7F6-B498-43B3-948B-1728B52AA6E4}">
+                <adec:decorative xmlns:adec="http://schemas.microsoft.com/office/drawing/2017/decorative" val="1"/>
+              </a:ext>
+            </a:extLst>
+          </p:cNvPr>
+          <p:cNvPicPr>
+            <a:picLocks noGrp="1" noRot="1" noChangeAspect="1" noMove="1" noResize="1" noEditPoints="1" noAdjustHandles="1" noChangeArrowheads="1" noChangeShapeType="1" noCrop="1"/>
+          </p:cNvPicPr>
+          <p:nvPr/>
+        </p:nvPicPr>
+        <p:blipFill>
+          <a:blip r:embed="rId2">
+            <a:extLst>
+              <a:ext uri="{28A0092B-C50C-407E-A947-70E740481C1C}">
+                <a14:useLocalDpi xmlns:a14="http://schemas.microsoft.com/office/drawing/2010/main" val="0"/>
+              </a:ext>
+            </a:extLst>
+          </a:blip>
+          <a:stretch>
+            <a:fillRect/>
+          </a:stretch>
+        </p:blipFill>
+        <p:spPr>
+          <a:xfrm>
+            <a:off x="762000" y="0"/>
+            <a:ext cx="11430000" cy="6858000"/>
+          </a:xfrm>
+          <a:prstGeom prst="rect">
+            <a:avLst/>
+          </a:prstGeom>
+        </p:spPr>
+      </p:pic>
       <p:sp>
         <p:nvSpPr>
           <p:cNvPr id="2" name="Title 1">
@@ -3579,14 +4073,23 @@
           <a:lstStyle/>
           <a:p>
             <a:r>
-              <a:rPr lang="en-US" dirty="0"/>
+              <a:rPr lang="en-US" dirty="0">
+                <a:latin typeface="Rocket Sans Medium" panose="020B0702020202020204" pitchFamily="34" charset="0"/>
+                <a:ea typeface="Rocket Sans Medium" panose="020B0702020202020204" pitchFamily="34" charset="0"/>
+              </a:rPr>
               <a:t>The solution: </a:t>
             </a:r>
             <a:r>
-              <a:rPr lang="en-US" dirty="0" err="1"/>
+              <a:rPr lang="en-US" dirty="0" err="1">
+                <a:latin typeface="Rocket Sans Medium" panose="020B0702020202020204" pitchFamily="34" charset="0"/>
+                <a:ea typeface="Rocket Sans Medium" panose="020B0702020202020204" pitchFamily="34" charset="0"/>
+              </a:rPr>
               <a:t>DevContainers</a:t>
             </a:r>
-            <a:endParaRPr lang="en-US" dirty="0"/>
+            <a:endParaRPr lang="en-US" dirty="0">
+              <a:latin typeface="Rocket Sans Medium" panose="020B0702020202020204" pitchFamily="34" charset="0"/>
+              <a:ea typeface="Rocket Sans Medium" panose="020B0702020202020204" pitchFamily="34" charset="0"/>
+            </a:endParaRPr>
           </a:p>
         </p:txBody>
       </p:sp>
@@ -3605,7 +4108,7 @@
           <p:nvPr/>
         </p:nvPicPr>
         <p:blipFill>
-          <a:blip r:embed="rId2">
+          <a:blip r:embed="rId3">
             <a:extLst>
               <a:ext uri="{28A0092B-C50C-407E-A947-70E740481C1C}">
                 <a14:useLocalDpi xmlns:a14="http://schemas.microsoft.com/office/drawing/2010/main" val="0"/>
@@ -3651,8 +4154,8 @@
         </p:nvSpPr>
         <p:spPr>
           <a:xfrm>
-            <a:off x="5243052" y="6308209"/>
-            <a:ext cx="6734835" cy="369332"/>
+            <a:off x="4185920" y="6308209"/>
+            <a:ext cx="7791967" cy="369332"/>
           </a:xfrm>
           <a:prstGeom prst="rect">
             <a:avLst/>
@@ -3666,7 +4169,10 @@
           <a:lstStyle/>
           <a:p>
             <a:r>
-              <a:rPr lang="en-US" dirty="0"/>
+              <a:rPr lang="en-US" dirty="0">
+                <a:latin typeface="Rocket Sans Light" panose="020B0302020202020204" pitchFamily="34" charset="0"/>
+                <a:ea typeface="Rocket Sans Light" panose="020B0302020202020204" pitchFamily="34" charset="0"/>
+              </a:rPr>
               <a:t>Image from: https://code.visualstudio.com/docs/remote/containers</a:t>
             </a:r>
           </a:p>
@@ -3688,6 +4194,14 @@
 <file path=ppt/slides/slide5.xml><?xml version="1.0" encoding="utf-8"?>
 <p:sld xmlns:a="http://schemas.openxmlformats.org/drawingml/2006/main" xmlns:r="http://schemas.openxmlformats.org/officeDocument/2006/relationships" xmlns:p="http://schemas.openxmlformats.org/presentationml/2006/main">
   <p:cSld>
+    <p:bg>
+      <p:bgPr>
+        <a:solidFill>
+          <a:schemeClr val="tx1"/>
+        </a:solidFill>
+        <a:effectLst/>
+      </p:bgPr>
+    </p:bg>
     <p:spTree>
       <p:nvGrpSpPr>
         <p:cNvPr id="1" name=""/>
@@ -3702,6 +4216,42 @@
           <a:chExt cx="0" cy="0"/>
         </a:xfrm>
       </p:grpSpPr>
+      <p:pic>
+        <p:nvPicPr>
+          <p:cNvPr id="5" name="Picture 4" descr="A picture containing night sky&#10;&#10;Description automatically generated">
+            <a:extLst>
+              <a:ext uri="{FF2B5EF4-FFF2-40B4-BE49-F238E27FC236}">
+                <a16:creationId xmlns:a16="http://schemas.microsoft.com/office/drawing/2014/main" id="{98363759-0A2A-995B-613E-1C0B954D58A3}"/>
+              </a:ext>
+            </a:extLst>
+          </p:cNvPr>
+          <p:cNvPicPr>
+            <a:picLocks noChangeAspect="1"/>
+          </p:cNvPicPr>
+          <p:nvPr/>
+        </p:nvPicPr>
+        <p:blipFill>
+          <a:blip r:embed="rId2">
+            <a:extLst>
+              <a:ext uri="{28A0092B-C50C-407E-A947-70E740481C1C}">
+                <a14:useLocalDpi xmlns:a14="http://schemas.microsoft.com/office/drawing/2010/main" val="0"/>
+              </a:ext>
+            </a:extLst>
+          </a:blip>
+          <a:stretch>
+            <a:fillRect/>
+          </a:stretch>
+        </p:blipFill>
+        <p:spPr>
+          <a:xfrm rot="18356412">
+            <a:off x="-851279" y="715328"/>
+            <a:ext cx="9572624" cy="4786312"/>
+          </a:xfrm>
+          <a:prstGeom prst="rect">
+            <a:avLst/>
+          </a:prstGeom>
+        </p:spPr>
+      </p:pic>
       <p:sp>
         <p:nvSpPr>
           <p:cNvPr id="2" name="Title 1">
@@ -3724,7 +4274,13 @@
           <a:lstStyle/>
           <a:p>
             <a:r>
-              <a:rPr lang="en-US" dirty="0"/>
+              <a:rPr lang="en-US" dirty="0">
+                <a:solidFill>
+                  <a:schemeClr val="bg1"/>
+                </a:solidFill>
+                <a:latin typeface="Rocket Sans Medium" panose="020B0702020202020204" pitchFamily="34" charset="0"/>
+                <a:ea typeface="Rocket Sans Medium" panose="020B0702020202020204" pitchFamily="34" charset="0"/>
+              </a:rPr>
               <a:t>What can I do?</a:t>
             </a:r>
           </a:p>
@@ -3757,33 +4313,63 @@
           <a:lstStyle/>
           <a:p>
             <a:r>
-              <a:rPr lang="en-US" dirty="0"/>
+              <a:rPr lang="en-US" dirty="0">
+                <a:solidFill>
+                  <a:schemeClr val="bg1"/>
+                </a:solidFill>
+                <a:latin typeface="Rocket Sans Light" panose="020B0302020202020204" pitchFamily="34" charset="0"/>
+                <a:ea typeface="Rocket Sans Light" panose="020B0302020202020204" pitchFamily="34" charset="0"/>
+              </a:rPr>
               <a:t>Play with a new language / framework without installing it</a:t>
             </a:r>
           </a:p>
           <a:p>
             <a:r>
-              <a:rPr lang="en-US" dirty="0"/>
+              <a:rPr lang="en-US" dirty="0">
+                <a:solidFill>
+                  <a:schemeClr val="bg1"/>
+                </a:solidFill>
+                <a:latin typeface="Rocket Sans Light" panose="020B0302020202020204" pitchFamily="34" charset="0"/>
+                <a:ea typeface="Rocket Sans Light" panose="020B0302020202020204" pitchFamily="34" charset="0"/>
+              </a:rPr>
               <a:t>Create a consistent, standard environment for collaboration</a:t>
             </a:r>
           </a:p>
           <a:p>
             <a:pPr lvl="1"/>
             <a:r>
-              <a:rPr lang="en-US" dirty="0"/>
+              <a:rPr lang="en-US" dirty="0">
+                <a:solidFill>
+                  <a:schemeClr val="bg1"/>
+                </a:solidFill>
+                <a:latin typeface="Rocket Sans Light" panose="020B0302020202020204" pitchFamily="34" charset="0"/>
+                <a:ea typeface="Rocket Sans Light" panose="020B0302020202020204" pitchFamily="34" charset="0"/>
+              </a:rPr>
               <a:t>Enterprise</a:t>
             </a:r>
           </a:p>
           <a:p>
             <a:pPr lvl="1"/>
             <a:r>
-              <a:rPr lang="en-US" dirty="0"/>
+              <a:rPr lang="en-US" dirty="0">
+                <a:solidFill>
+                  <a:schemeClr val="bg1"/>
+                </a:solidFill>
+                <a:latin typeface="Rocket Sans Light" panose="020B0302020202020204" pitchFamily="34" charset="0"/>
+                <a:ea typeface="Rocket Sans Light" panose="020B0302020202020204" pitchFamily="34" charset="0"/>
+              </a:rPr>
               <a:t>Open-Source projects</a:t>
             </a:r>
           </a:p>
           <a:p>
             <a:r>
-              <a:rPr lang="en-US" dirty="0"/>
+              <a:rPr lang="en-US" dirty="0">
+                <a:solidFill>
+                  <a:schemeClr val="bg1"/>
+                </a:solidFill>
+                <a:latin typeface="Rocket Sans Light" panose="020B0302020202020204" pitchFamily="34" charset="0"/>
+                <a:ea typeface="Rocket Sans Light" panose="020B0302020202020204" pitchFamily="34" charset="0"/>
+              </a:rPr>
               <a:t>Ease the process of onboarding new engineers</a:t>
             </a:r>
           </a:p>
@@ -3805,6 +4391,14 @@
 <file path=ppt/slides/slide6.xml><?xml version="1.0" encoding="utf-8"?>
 <p:sld xmlns:a="http://schemas.openxmlformats.org/drawingml/2006/main" xmlns:r="http://schemas.openxmlformats.org/officeDocument/2006/relationships" xmlns:p="http://schemas.openxmlformats.org/presentationml/2006/main">
   <p:cSld>
+    <p:bg>
+      <p:bgPr>
+        <a:solidFill>
+          <a:schemeClr val="bg1"/>
+        </a:solidFill>
+        <a:effectLst/>
+      </p:bgPr>
+    </p:bg>
     <p:spTree>
       <p:nvGrpSpPr>
         <p:cNvPr id="1" name=""/>
@@ -3819,6 +4413,606 @@
           <a:chExt cx="0" cy="0"/>
         </a:xfrm>
       </p:grpSpPr>
+      <p:sp useBgFill="1">
+        <p:nvSpPr>
+          <p:cNvPr id="14" name="Rectangle 9">
+            <a:extLst>
+              <a:ext uri="{FF2B5EF4-FFF2-40B4-BE49-F238E27FC236}">
+                <a16:creationId xmlns:a16="http://schemas.microsoft.com/office/drawing/2014/main" id="{06DA9DF9-31F7-4056-B42E-878CC92417B8}"/>
+              </a:ext>
+              <a:ext uri="{C183D7F6-B498-43B3-948B-1728B52AA6E4}">
+                <adec:decorative xmlns:adec="http://schemas.microsoft.com/office/drawing/2017/decorative" val="1"/>
+              </a:ext>
+            </a:extLst>
+          </p:cNvPr>
+          <p:cNvSpPr>
+            <a:spLocks noGrp="1" noRot="1" noChangeAspect="1" noMove="1" noResize="1" noEditPoints="1" noAdjustHandles="1" noChangeArrowheads="1" noChangeShapeType="1" noTextEdit="1"/>
+          </p:cNvSpPr>
+          <p:nvPr>
+            <p:extLst>
+              <p:ext uri="{386F3935-93C4-4BCD-93E2-E3B085C9AB24}">
+                <p16:designElem xmlns:p16="http://schemas.microsoft.com/office/powerpoint/2015/main" val="1"/>
+              </p:ext>
+            </p:extLst>
+          </p:nvPr>
+        </p:nvSpPr>
+        <p:spPr>
+          <a:xfrm>
+            <a:off x="0" y="0"/>
+            <a:ext cx="12188952" cy="6858000"/>
+          </a:xfrm>
+          <a:prstGeom prst="rect">
+            <a:avLst/>
+          </a:prstGeom>
+          <a:ln>
+            <a:noFill/>
+          </a:ln>
+        </p:spPr>
+        <p:style>
+          <a:lnRef idx="2">
+            <a:schemeClr val="accent1">
+              <a:shade val="50000"/>
+            </a:schemeClr>
+          </a:lnRef>
+          <a:fillRef idx="1">
+            <a:schemeClr val="accent1"/>
+          </a:fillRef>
+          <a:effectRef idx="0">
+            <a:schemeClr val="accent1"/>
+          </a:effectRef>
+          <a:fontRef idx="minor">
+            <a:schemeClr val="lt1"/>
+          </a:fontRef>
+        </p:style>
+        <p:txBody>
+          <a:bodyPr rtlCol="0" anchor="ctr"/>
+          <a:lstStyle/>
+          <a:p>
+            <a:pPr algn="ctr"/>
+            <a:endParaRPr lang="en-US"/>
+          </a:p>
+        </p:txBody>
+      </p:sp>
+      <p:sp>
+        <p:nvSpPr>
+          <p:cNvPr id="5" name="Text Placeholder 4">
+            <a:extLst>
+              <a:ext uri="{FF2B5EF4-FFF2-40B4-BE49-F238E27FC236}">
+                <a16:creationId xmlns:a16="http://schemas.microsoft.com/office/drawing/2014/main" id="{E35F225B-BF31-30FF-416D-F47E17C2A363}"/>
+              </a:ext>
+            </a:extLst>
+          </p:cNvPr>
+          <p:cNvSpPr>
+            <a:spLocks noGrp="1"/>
+          </p:cNvSpPr>
+          <p:nvPr>
+            <p:ph type="body" idx="1"/>
+          </p:nvPr>
+        </p:nvSpPr>
+        <p:spPr>
+          <a:xfrm>
+            <a:off x="450427" y="2554794"/>
+            <a:ext cx="4620584" cy="775494"/>
+          </a:xfrm>
+        </p:spPr>
+        <p:txBody>
+          <a:bodyPr vert="horz" lIns="91440" tIns="45720" rIns="91440" bIns="45720" rtlCol="0">
+            <a:normAutofit/>
+          </a:bodyPr>
+          <a:lstStyle/>
+          <a:p>
+            <a:r>
+              <a:rPr lang="en-US" sz="4000" dirty="0">
+                <a:solidFill>
+                  <a:schemeClr val="tx1"/>
+                </a:solidFill>
+                <a:latin typeface="Rocket Sans Light" panose="020B0302020202020204" pitchFamily="34" charset="0"/>
+                <a:ea typeface="Rocket Sans Light" panose="020B0302020202020204" pitchFamily="34" charset="0"/>
+              </a:rPr>
+              <a:t>DEMO TIME!</a:t>
+            </a:r>
+          </a:p>
+        </p:txBody>
+      </p:sp>
+      <p:pic>
+        <p:nvPicPr>
+          <p:cNvPr id="3" name="Picture 2" descr="A picture containing outdoor, cargo container, outdoor object&#10;&#10;Description automatically generated">
+            <a:extLst>
+              <a:ext uri="{FF2B5EF4-FFF2-40B4-BE49-F238E27FC236}">
+                <a16:creationId xmlns:a16="http://schemas.microsoft.com/office/drawing/2014/main" id="{24DB1E98-16B3-9090-6A5F-35CFE84D49C2}"/>
+              </a:ext>
+            </a:extLst>
+          </p:cNvPr>
+          <p:cNvPicPr>
+            <a:picLocks noChangeAspect="1"/>
+          </p:cNvPicPr>
+          <p:nvPr/>
+        </p:nvPicPr>
+        <p:blipFill rotWithShape="1">
+          <a:blip r:embed="rId2">
+            <a:extLst>
+              <a:ext uri="{28A0092B-C50C-407E-A947-70E740481C1C}">
+                <a14:useLocalDpi xmlns:a14="http://schemas.microsoft.com/office/drawing/2010/main" val="0"/>
+              </a:ext>
+            </a:extLst>
+          </a:blip>
+          <a:srcRect t="23228" r="2" b="2"/>
+          <a:stretch/>
+        </p:blipFill>
+        <p:spPr>
+          <a:xfrm>
+            <a:off x="6229215" y="10"/>
+            <a:ext cx="5962785" cy="6857990"/>
+          </a:xfrm>
+          <a:custGeom>
+            <a:avLst/>
+            <a:gdLst/>
+            <a:ahLst/>
+            <a:cxnLst/>
+            <a:rect l="l" t="t" r="r" b="b"/>
+            <a:pathLst>
+              <a:path w="5962785" h="6858000">
+                <a:moveTo>
+                  <a:pt x="1044839" y="0"/>
+                </a:moveTo>
+                <a:lnTo>
+                  <a:pt x="5962785" y="0"/>
+                </a:lnTo>
+                <a:lnTo>
+                  <a:pt x="5962785" y="6858000"/>
+                </a:lnTo>
+                <a:lnTo>
+                  <a:pt x="1469886" y="6858000"/>
+                </a:lnTo>
+                <a:lnTo>
+                  <a:pt x="1416006" y="6823984"/>
+                </a:lnTo>
+                <a:cubicBezTo>
+                  <a:pt x="1356767" y="6787940"/>
+                  <a:pt x="1296437" y="6755500"/>
+                  <a:pt x="1232473" y="6733873"/>
+                </a:cubicBezTo>
+                <a:cubicBezTo>
+                  <a:pt x="1145250" y="6705037"/>
+                  <a:pt x="1060933" y="6654575"/>
+                  <a:pt x="1075471" y="6503186"/>
+                </a:cubicBezTo>
+                <a:cubicBezTo>
+                  <a:pt x="1078378" y="6459932"/>
+                  <a:pt x="1055118" y="6427493"/>
+                  <a:pt x="1020229" y="6438306"/>
+                </a:cubicBezTo>
+                <a:cubicBezTo>
+                  <a:pt x="953358" y="6459932"/>
+                  <a:pt x="921375" y="6398656"/>
+                  <a:pt x="883579" y="6351798"/>
+                </a:cubicBezTo>
+                <a:cubicBezTo>
+                  <a:pt x="816707" y="6268895"/>
+                  <a:pt x="752743" y="6182387"/>
+                  <a:pt x="645167" y="6167969"/>
+                </a:cubicBezTo>
+                <a:cubicBezTo>
+                  <a:pt x="665519" y="6103088"/>
+                  <a:pt x="700408" y="6110298"/>
+                  <a:pt x="732391" y="6124716"/>
+                </a:cubicBezTo>
+                <a:cubicBezTo>
+                  <a:pt x="816707" y="6160761"/>
+                  <a:pt x="901023" y="6200410"/>
+                  <a:pt x="985339" y="6236455"/>
+                </a:cubicBezTo>
+                <a:cubicBezTo>
+                  <a:pt x="1040581" y="6258081"/>
+                  <a:pt x="1095822" y="6290522"/>
+                  <a:pt x="1168509" y="6265291"/>
+                </a:cubicBezTo>
+                <a:cubicBezTo>
+                  <a:pt x="1104545" y="6135530"/>
+                  <a:pt x="996969" y="6110298"/>
+                  <a:pt x="909746" y="6070649"/>
+                </a:cubicBezTo>
+                <a:cubicBezTo>
+                  <a:pt x="802169" y="6020185"/>
+                  <a:pt x="738206" y="5926470"/>
+                  <a:pt x="659704" y="5818335"/>
+                </a:cubicBezTo>
+                <a:cubicBezTo>
+                  <a:pt x="738206" y="5789500"/>
+                  <a:pt x="787632" y="5868798"/>
+                  <a:pt x="851597" y="5865193"/>
+                </a:cubicBezTo>
+                <a:cubicBezTo>
+                  <a:pt x="854504" y="5854380"/>
+                  <a:pt x="860319" y="5832753"/>
+                  <a:pt x="860319" y="5832753"/>
+                </a:cubicBezTo>
+                <a:cubicBezTo>
+                  <a:pt x="755650" y="5775081"/>
+                  <a:pt x="709132" y="5666947"/>
+                  <a:pt x="691686" y="5533581"/>
+                </a:cubicBezTo>
+                <a:cubicBezTo>
+                  <a:pt x="685872" y="5465095"/>
+                  <a:pt x="648075" y="5443468"/>
+                  <a:pt x="610278" y="5411029"/>
+                </a:cubicBezTo>
+                <a:cubicBezTo>
+                  <a:pt x="482350" y="5299289"/>
+                  <a:pt x="345700" y="5198364"/>
+                  <a:pt x="238123" y="5046976"/>
+                </a:cubicBezTo>
+                <a:cubicBezTo>
+                  <a:pt x="363144" y="5064998"/>
+                  <a:pt x="461997" y="5165924"/>
+                  <a:pt x="592833" y="5209177"/>
+                </a:cubicBezTo>
+                <a:cubicBezTo>
+                  <a:pt x="488165" y="5043371"/>
+                  <a:pt x="351514" y="4956864"/>
+                  <a:pt x="226494" y="4855939"/>
+                </a:cubicBezTo>
+                <a:cubicBezTo>
+                  <a:pt x="168344" y="4809081"/>
+                  <a:pt x="116011" y="4751408"/>
+                  <a:pt x="49139" y="4726177"/>
+                </a:cubicBezTo>
+                <a:cubicBezTo>
+                  <a:pt x="25879" y="4718968"/>
+                  <a:pt x="-14825" y="4700947"/>
+                  <a:pt x="5527" y="4650483"/>
+                </a:cubicBezTo>
+                <a:cubicBezTo>
+                  <a:pt x="22972" y="4607230"/>
+                  <a:pt x="54954" y="4621648"/>
+                  <a:pt x="84029" y="4632460"/>
+                </a:cubicBezTo>
+                <a:cubicBezTo>
+                  <a:pt x="153807" y="4661296"/>
+                  <a:pt x="229401" y="4661296"/>
+                  <a:pt x="325347" y="4661296"/>
+                </a:cubicBezTo>
+                <a:cubicBezTo>
+                  <a:pt x="243939" y="4524326"/>
+                  <a:pt x="95658" y="4567580"/>
+                  <a:pt x="25879" y="4423401"/>
+                </a:cubicBezTo>
+                <a:cubicBezTo>
+                  <a:pt x="113103" y="4398170"/>
+                  <a:pt x="179975" y="4448632"/>
+                  <a:pt x="249753" y="4459446"/>
+                </a:cubicBezTo>
+                <a:cubicBezTo>
+                  <a:pt x="313718" y="4470259"/>
+                  <a:pt x="328254" y="4445028"/>
+                  <a:pt x="313718" y="4365729"/>
+                </a:cubicBezTo>
+                <a:cubicBezTo>
+                  <a:pt x="290458" y="4243177"/>
+                  <a:pt x="325347" y="4181900"/>
+                  <a:pt x="418386" y="4214341"/>
+                </a:cubicBezTo>
+                <a:cubicBezTo>
+                  <a:pt x="505609" y="4246781"/>
+                  <a:pt x="514332" y="4199922"/>
+                  <a:pt x="491072" y="4131438"/>
+                </a:cubicBezTo>
+                <a:cubicBezTo>
+                  <a:pt x="456183" y="4030512"/>
+                  <a:pt x="493979" y="3951214"/>
+                  <a:pt x="520147" y="3864706"/>
+                </a:cubicBezTo>
+                <a:cubicBezTo>
+                  <a:pt x="560851" y="3734945"/>
+                  <a:pt x="543407" y="3670064"/>
+                  <a:pt x="459090" y="3572743"/>
+                </a:cubicBezTo>
+                <a:cubicBezTo>
+                  <a:pt x="409664" y="3518676"/>
+                  <a:pt x="360236" y="3471818"/>
+                  <a:pt x="290458" y="3424959"/>
+                </a:cubicBezTo>
+                <a:cubicBezTo>
+                  <a:pt x="450368" y="3399728"/>
+                  <a:pt x="284643" y="3313221"/>
+                  <a:pt x="339884" y="3259153"/>
+                </a:cubicBezTo>
+                <a:cubicBezTo>
+                  <a:pt x="453275" y="3237527"/>
+                  <a:pt x="543407" y="3410542"/>
+                  <a:pt x="697501" y="3360078"/>
+                </a:cubicBezTo>
+                <a:cubicBezTo>
+                  <a:pt x="511425" y="3212294"/>
+                  <a:pt x="302087" y="3165436"/>
+                  <a:pt x="165437" y="2967190"/>
+                </a:cubicBezTo>
+                <a:cubicBezTo>
+                  <a:pt x="197419" y="2923937"/>
+                  <a:pt x="229401" y="2967190"/>
+                  <a:pt x="255568" y="2949167"/>
+                </a:cubicBezTo>
+                <a:cubicBezTo>
+                  <a:pt x="255568" y="2938354"/>
+                  <a:pt x="560851" y="3006840"/>
+                  <a:pt x="578296" y="2725691"/>
+                </a:cubicBezTo>
+                <a:cubicBezTo>
+                  <a:pt x="584111" y="2725691"/>
+                  <a:pt x="589926" y="2725691"/>
+                  <a:pt x="595740" y="2714876"/>
+                </a:cubicBezTo>
+                <a:cubicBezTo>
+                  <a:pt x="627722" y="2675228"/>
+                  <a:pt x="598648" y="2581510"/>
+                  <a:pt x="650982" y="2574301"/>
+                </a:cubicBezTo>
+                <a:cubicBezTo>
+                  <a:pt x="709132" y="2567092"/>
+                  <a:pt x="764373" y="2534653"/>
+                  <a:pt x="825429" y="2552674"/>
+                </a:cubicBezTo>
+                <a:cubicBezTo>
+                  <a:pt x="871949" y="2567092"/>
+                  <a:pt x="921375" y="2585115"/>
+                  <a:pt x="970802" y="2585115"/>
+                </a:cubicBezTo>
+                <a:cubicBezTo>
+                  <a:pt x="1023136" y="2585115"/>
+                  <a:pt x="1095822" y="2707668"/>
+                  <a:pt x="1127805" y="2545465"/>
+                </a:cubicBezTo>
+                <a:cubicBezTo>
+                  <a:pt x="1127805" y="2538257"/>
+                  <a:pt x="1217936" y="2556280"/>
+                  <a:pt x="1267362" y="2563488"/>
+                </a:cubicBezTo>
+                <a:cubicBezTo>
+                  <a:pt x="1308067" y="2570698"/>
+                  <a:pt x="1357494" y="2603137"/>
+                  <a:pt x="1386568" y="2538257"/>
+                </a:cubicBezTo>
+                <a:cubicBezTo>
+                  <a:pt x="1401105" y="2498607"/>
+                  <a:pt x="1331326" y="2426518"/>
+                  <a:pt x="1270270" y="2419309"/>
+                </a:cubicBezTo>
+                <a:cubicBezTo>
+                  <a:pt x="1215029" y="2412101"/>
+                  <a:pt x="1159787" y="2404892"/>
+                  <a:pt x="1107453" y="2419309"/>
+                </a:cubicBezTo>
+                <a:cubicBezTo>
+                  <a:pt x="1043489" y="2437331"/>
+                  <a:pt x="1008599" y="2408495"/>
+                  <a:pt x="991154" y="2343615"/>
+                </a:cubicBezTo>
+                <a:cubicBezTo>
+                  <a:pt x="970802" y="2275131"/>
+                  <a:pt x="933005" y="2239085"/>
+                  <a:pt x="880671" y="2206645"/>
+                </a:cubicBezTo>
+                <a:cubicBezTo>
+                  <a:pt x="752743" y="2127346"/>
+                  <a:pt x="630630" y="2033629"/>
+                  <a:pt x="491072" y="1986771"/>
+                </a:cubicBezTo>
+                <a:cubicBezTo>
+                  <a:pt x="464905" y="1979562"/>
+                  <a:pt x="432923" y="1965145"/>
+                  <a:pt x="421293" y="1903868"/>
+                </a:cubicBezTo>
+                <a:cubicBezTo>
+                  <a:pt x="799262" y="1997584"/>
+                  <a:pt x="1142342" y="2239085"/>
+                  <a:pt x="1531941" y="2224667"/>
+                </a:cubicBezTo>
+                <a:cubicBezTo>
+                  <a:pt x="1427272" y="2148974"/>
+                  <a:pt x="1302252" y="2145369"/>
+                  <a:pt x="1188861" y="2091301"/>
+                </a:cubicBezTo>
+                <a:cubicBezTo>
+                  <a:pt x="1270270" y="2051652"/>
+                  <a:pt x="1345864" y="2094906"/>
+                  <a:pt x="1421458" y="2116532"/>
+                </a:cubicBezTo>
+                <a:cubicBezTo>
+                  <a:pt x="1485422" y="2134554"/>
+                  <a:pt x="1543571" y="2138160"/>
+                  <a:pt x="1549386" y="2026420"/>
+                </a:cubicBezTo>
+                <a:cubicBezTo>
+                  <a:pt x="1549386" y="2015607"/>
+                  <a:pt x="1549386" y="2008398"/>
+                  <a:pt x="1549386" y="1997584"/>
+                </a:cubicBezTo>
+                <a:cubicBezTo>
+                  <a:pt x="1526126" y="1950727"/>
+                  <a:pt x="1494144" y="1929099"/>
+                  <a:pt x="1453440" y="1914682"/>
+                </a:cubicBezTo>
+                <a:cubicBezTo>
+                  <a:pt x="1430180" y="1907473"/>
+                  <a:pt x="1398198" y="1893056"/>
+                  <a:pt x="1398198" y="1860614"/>
+                </a:cubicBezTo>
+                <a:cubicBezTo>
+                  <a:pt x="1401105" y="1738063"/>
+                  <a:pt x="1322604" y="1702018"/>
+                  <a:pt x="1247011" y="1665972"/>
+                </a:cubicBezTo>
+                <a:cubicBezTo>
+                  <a:pt x="1287715" y="1604696"/>
+                  <a:pt x="1322604" y="1647950"/>
+                  <a:pt x="1354586" y="1644345"/>
+                </a:cubicBezTo>
+                <a:cubicBezTo>
+                  <a:pt x="1374939" y="1640741"/>
+                  <a:pt x="1395290" y="1637138"/>
+                  <a:pt x="1395290" y="1604696"/>
+                </a:cubicBezTo>
+                <a:cubicBezTo>
+                  <a:pt x="1395290" y="1579465"/>
+                  <a:pt x="1386568" y="1547025"/>
+                  <a:pt x="1366216" y="1547025"/>
+                </a:cubicBezTo>
+                <a:cubicBezTo>
+                  <a:pt x="1238288" y="1543420"/>
+                  <a:pt x="1165601" y="1370405"/>
+                  <a:pt x="1031858" y="1370405"/>
+                </a:cubicBezTo>
+                <a:cubicBezTo>
+                  <a:pt x="950450" y="1370405"/>
+                  <a:pt x="1072563" y="1273083"/>
+                  <a:pt x="1005692" y="1233435"/>
+                </a:cubicBezTo>
+                <a:cubicBezTo>
+                  <a:pt x="991154" y="1222621"/>
+                  <a:pt x="1046396" y="1208203"/>
+                  <a:pt x="1069655" y="1211808"/>
+                </a:cubicBezTo>
+                <a:cubicBezTo>
+                  <a:pt x="1092915" y="1215412"/>
+                  <a:pt x="1113268" y="1240644"/>
+                  <a:pt x="1142342" y="1222621"/>
+                </a:cubicBezTo>
+                <a:cubicBezTo>
+                  <a:pt x="1156879" y="1157741"/>
+                  <a:pt x="1119082" y="1132510"/>
+                  <a:pt x="1084193" y="1114487"/>
+                </a:cubicBezTo>
+                <a:cubicBezTo>
+                  <a:pt x="1008599" y="1071234"/>
+                  <a:pt x="933005" y="1020771"/>
+                  <a:pt x="848689" y="1006353"/>
+                </a:cubicBezTo>
+                <a:cubicBezTo>
+                  <a:pt x="819615" y="1002748"/>
+                  <a:pt x="802169" y="984726"/>
+                  <a:pt x="805077" y="948681"/>
+                </a:cubicBezTo>
+                <a:cubicBezTo>
+                  <a:pt x="810892" y="901822"/>
+                  <a:pt x="839967" y="916240"/>
+                  <a:pt x="863226" y="919844"/>
+                </a:cubicBezTo>
+                <a:cubicBezTo>
+                  <a:pt x="877764" y="923450"/>
+                  <a:pt x="892301" y="934263"/>
+                  <a:pt x="906838" y="909031"/>
+                </a:cubicBezTo>
+                <a:cubicBezTo>
+                  <a:pt x="566666" y="653113"/>
+                  <a:pt x="386404" y="667532"/>
+                  <a:pt x="5527" y="458471"/>
+                </a:cubicBezTo>
+                <a:cubicBezTo>
+                  <a:pt x="89843" y="418822"/>
+                  <a:pt x="150900" y="447658"/>
+                  <a:pt x="209049" y="454867"/>
+                </a:cubicBezTo>
+                <a:cubicBezTo>
+                  <a:pt x="354422" y="472890"/>
+                  <a:pt x="264290" y="505329"/>
+                  <a:pt x="409664" y="526956"/>
+                </a:cubicBezTo>
+                <a:cubicBezTo>
+                  <a:pt x="479443" y="537770"/>
+                  <a:pt x="543407" y="573815"/>
+                  <a:pt x="621908" y="516143"/>
+                </a:cubicBezTo>
+                <a:cubicBezTo>
+                  <a:pt x="674242" y="476494"/>
+                  <a:pt x="758558" y="519747"/>
+                  <a:pt x="822522" y="552188"/>
+                </a:cubicBezTo>
+                <a:cubicBezTo>
+                  <a:pt x="874856" y="581024"/>
+                  <a:pt x="927190" y="588232"/>
+                  <a:pt x="996969" y="552188"/>
+                </a:cubicBezTo>
+                <a:cubicBezTo>
+                  <a:pt x="933005" y="530562"/>
+                  <a:pt x="883579" y="512539"/>
+                  <a:pt x="834151" y="498120"/>
+                </a:cubicBezTo>
+                <a:cubicBezTo>
+                  <a:pt x="793447" y="487307"/>
+                  <a:pt x="770187" y="462076"/>
+                  <a:pt x="773095" y="408008"/>
+                </a:cubicBezTo>
+                <a:cubicBezTo>
+                  <a:pt x="773095" y="379172"/>
+                  <a:pt x="764373" y="339523"/>
+                  <a:pt x="793447" y="325106"/>
+                </a:cubicBezTo>
+                <a:cubicBezTo>
+                  <a:pt x="816707" y="310688"/>
+                  <a:pt x="848689" y="325106"/>
+                  <a:pt x="860319" y="350336"/>
+                </a:cubicBezTo>
+                <a:cubicBezTo>
+                  <a:pt x="874856" y="397195"/>
+                  <a:pt x="889393" y="440449"/>
+                  <a:pt x="938820" y="444054"/>
+                </a:cubicBezTo>
+                <a:cubicBezTo>
+                  <a:pt x="1005692" y="451262"/>
+                  <a:pt x="967894" y="422426"/>
+                  <a:pt x="956265" y="386381"/>
+                </a:cubicBezTo>
+                <a:cubicBezTo>
+                  <a:pt x="944635" y="346733"/>
+                  <a:pt x="979525" y="335919"/>
+                  <a:pt x="1002784" y="343127"/>
+                </a:cubicBezTo>
+                <a:cubicBezTo>
+                  <a:pt x="1090008" y="375569"/>
+                  <a:pt x="1180139" y="317897"/>
+                  <a:pt x="1270270" y="364755"/>
+                </a:cubicBezTo>
+                <a:cubicBezTo>
+                  <a:pt x="1247011" y="249411"/>
+                  <a:pt x="1197583" y="198949"/>
+                  <a:pt x="1092915" y="180926"/>
+                </a:cubicBezTo>
+                <a:cubicBezTo>
+                  <a:pt x="1055118" y="177322"/>
+                  <a:pt x="1014414" y="184530"/>
+                  <a:pt x="979525" y="152090"/>
+                </a:cubicBezTo>
+                <a:cubicBezTo>
+                  <a:pt x="959172" y="134068"/>
+                  <a:pt x="938820" y="112441"/>
+                  <a:pt x="953358" y="76396"/>
+                </a:cubicBezTo>
+                <a:cubicBezTo>
+                  <a:pt x="962080" y="51165"/>
+                  <a:pt x="985339" y="51165"/>
+                  <a:pt x="1005692" y="58373"/>
+                </a:cubicBezTo>
+                <a:cubicBezTo>
+                  <a:pt x="1090008" y="98023"/>
+                  <a:pt x="1180139" y="108837"/>
+                  <a:pt x="1267362" y="123254"/>
+                </a:cubicBezTo>
+                <a:cubicBezTo>
+                  <a:pt x="1281900" y="126859"/>
+                  <a:pt x="1296437" y="134068"/>
+                  <a:pt x="1310975" y="98023"/>
+                </a:cubicBezTo>
+                <a:cubicBezTo>
+                  <a:pt x="1260095" y="81803"/>
+                  <a:pt x="1209941" y="62879"/>
+                  <a:pt x="1159787" y="43505"/>
+                </a:cubicBezTo>
+                <a:close/>
+              </a:path>
+            </a:pathLst>
+          </a:custGeom>
+        </p:spPr>
+      </p:pic>
       <p:sp>
         <p:nvSpPr>
           <p:cNvPr id="4" name="Title 3">
@@ -3835,40 +5029,32 @@
             <p:ph type="title"/>
           </p:nvPr>
         </p:nvSpPr>
-        <p:spPr/>
-        <p:txBody>
-          <a:bodyPr/>
-          <a:lstStyle/>
-          <a:p>
-            <a:r>
-              <a:rPr lang="en-US" dirty="0"/>
+        <p:spPr>
+          <a:xfrm>
+            <a:off x="450427" y="817444"/>
+            <a:ext cx="8002693" cy="919916"/>
+          </a:xfrm>
+          <a:solidFill>
+            <a:srgbClr val="FF0000"/>
+          </a:solidFill>
+        </p:spPr>
+        <p:txBody>
+          <a:bodyPr vert="horz" lIns="91440" tIns="45720" rIns="91440" bIns="45720" rtlCol="0" anchor="b">
+            <a:normAutofit/>
+          </a:bodyPr>
+          <a:lstStyle/>
+          <a:p>
+            <a:pPr algn="ctr"/>
+            <a:r>
+              <a:rPr lang="en-US" dirty="0">
+                <a:solidFill>
+                  <a:schemeClr val="bg1"/>
+                </a:solidFill>
+                <a:latin typeface="Rocket Sans Medium" panose="020B0702020202020204" pitchFamily="34" charset="0"/>
+                <a:ea typeface="Rocket Sans Medium" panose="020B0702020202020204" pitchFamily="34" charset="0"/>
+              </a:rPr>
               <a:t>Let’s see it in action!</a:t>
             </a:r>
-          </a:p>
-        </p:txBody>
-      </p:sp>
-      <p:sp>
-        <p:nvSpPr>
-          <p:cNvPr id="5" name="Text Placeholder 4">
-            <a:extLst>
-              <a:ext uri="{FF2B5EF4-FFF2-40B4-BE49-F238E27FC236}">
-                <a16:creationId xmlns:a16="http://schemas.microsoft.com/office/drawing/2014/main" id="{E35F225B-BF31-30FF-416D-F47E17C2A363}"/>
-              </a:ext>
-            </a:extLst>
-          </p:cNvPr>
-          <p:cNvSpPr>
-            <a:spLocks noGrp="1"/>
-          </p:cNvSpPr>
-          <p:nvPr>
-            <p:ph type="body" idx="1"/>
-          </p:nvPr>
-        </p:nvSpPr>
-        <p:spPr/>
-        <p:txBody>
-          <a:bodyPr/>
-          <a:lstStyle/>
-          <a:p>
-            <a:endParaRPr lang="en-US"/>
           </a:p>
         </p:txBody>
       </p:sp>
@@ -3876,6 +5062,410 @@
     <p:extLst>
       <p:ext uri="{BB962C8B-B14F-4D97-AF65-F5344CB8AC3E}">
         <p14:creationId xmlns:p14="http://schemas.microsoft.com/office/powerpoint/2010/main" val="812518504"/>
+      </p:ext>
+    </p:extLst>
+  </p:cSld>
+  <p:clrMapOvr>
+    <a:masterClrMapping/>
+  </p:clrMapOvr>
+</p:sld>
+</file>
+
+<file path=ppt/slides/slide7.xml><?xml version="1.0" encoding="utf-8"?>
+<p:sld xmlns:a="http://schemas.openxmlformats.org/drawingml/2006/main" xmlns:r="http://schemas.openxmlformats.org/officeDocument/2006/relationships" xmlns:p="http://schemas.openxmlformats.org/presentationml/2006/main">
+  <p:cSld>
+    <p:spTree>
+      <p:nvGrpSpPr>
+        <p:cNvPr id="1" name=""/>
+        <p:cNvGrpSpPr/>
+        <p:nvPr/>
+      </p:nvGrpSpPr>
+      <p:grpSpPr>
+        <a:xfrm>
+          <a:off x="0" y="0"/>
+          <a:ext cx="0" cy="0"/>
+          <a:chOff x="0" y="0"/>
+          <a:chExt cx="0" cy="0"/>
+        </a:xfrm>
+      </p:grpSpPr>
+      <p:pic>
+        <p:nvPicPr>
+          <p:cNvPr id="13" name="Picture 12">
+            <a:extLst>
+              <a:ext uri="{FF2B5EF4-FFF2-40B4-BE49-F238E27FC236}">
+                <a16:creationId xmlns:a16="http://schemas.microsoft.com/office/drawing/2014/main" id="{7BEA6690-C351-8C32-20E6-C972B36EBEF0}"/>
+              </a:ext>
+              <a:ext uri="{C183D7F6-B498-43B3-948B-1728B52AA6E4}">
+                <adec:decorative xmlns:adec="http://schemas.microsoft.com/office/drawing/2017/decorative" val="1"/>
+              </a:ext>
+            </a:extLst>
+          </p:cNvPr>
+          <p:cNvPicPr/>
+          <p:nvPr/>
+        </p:nvPicPr>
+        <p:blipFill>
+          <a:blip r:embed="rId2">
+            <a:extLst>
+              <a:ext uri="{28A0092B-C50C-407E-A947-70E740481C1C}">
+                <a14:useLocalDpi xmlns:a14="http://schemas.microsoft.com/office/drawing/2010/main" val="0"/>
+              </a:ext>
+            </a:extLst>
+          </a:blip>
+          <a:stretch>
+            <a:fillRect/>
+          </a:stretch>
+        </p:blipFill>
+        <p:spPr>
+          <a:xfrm>
+            <a:off x="762000" y="0"/>
+            <a:ext cx="11430000" cy="6858000"/>
+          </a:xfrm>
+          <a:prstGeom prst="rect">
+            <a:avLst/>
+          </a:prstGeom>
+        </p:spPr>
+      </p:pic>
+      <p:sp>
+        <p:nvSpPr>
+          <p:cNvPr id="4" name="Title 3">
+            <a:extLst>
+              <a:ext uri="{FF2B5EF4-FFF2-40B4-BE49-F238E27FC236}">
+                <a16:creationId xmlns:a16="http://schemas.microsoft.com/office/drawing/2014/main" id="{83090C8A-7786-E5BC-56A0-D58B0E171506}"/>
+              </a:ext>
+            </a:extLst>
+          </p:cNvPr>
+          <p:cNvSpPr>
+            <a:spLocks noGrp="1"/>
+          </p:cNvSpPr>
+          <p:nvPr>
+            <p:ph type="title"/>
+          </p:nvPr>
+        </p:nvSpPr>
+        <p:spPr>
+          <a:xfrm>
+            <a:off x="831850" y="1347212"/>
+            <a:ext cx="6511323" cy="1263559"/>
+          </a:xfrm>
+          <a:solidFill>
+            <a:srgbClr val="FF0000"/>
+          </a:solidFill>
+        </p:spPr>
+        <p:txBody>
+          <a:bodyPr>
+            <a:normAutofit/>
+          </a:bodyPr>
+          <a:lstStyle/>
+          <a:p>
+            <a:pPr algn="ctr"/>
+            <a:r>
+              <a:rPr lang="en-US" sz="7200" dirty="0">
+                <a:solidFill>
+                  <a:schemeClr val="bg1"/>
+                </a:solidFill>
+                <a:latin typeface="Rocket Sans Medium" panose="020B0702020202020204" pitchFamily="34" charset="0"/>
+                <a:ea typeface="Rocket Sans Medium" panose="020B0702020202020204" pitchFamily="34" charset="0"/>
+              </a:rPr>
+              <a:t>THANK YOU!</a:t>
+            </a:r>
+          </a:p>
+        </p:txBody>
+      </p:sp>
+      <p:sp>
+        <p:nvSpPr>
+          <p:cNvPr id="5" name="Text Placeholder 4">
+            <a:extLst>
+              <a:ext uri="{FF2B5EF4-FFF2-40B4-BE49-F238E27FC236}">
+                <a16:creationId xmlns:a16="http://schemas.microsoft.com/office/drawing/2014/main" id="{54AB7789-EE39-8734-6CA5-223F0C9AED4C}"/>
+              </a:ext>
+            </a:extLst>
+          </p:cNvPr>
+          <p:cNvSpPr>
+            <a:spLocks noGrp="1"/>
+          </p:cNvSpPr>
+          <p:nvPr>
+            <p:ph type="body" idx="1"/>
+          </p:nvPr>
+        </p:nvSpPr>
+        <p:spPr>
+          <a:xfrm>
+            <a:off x="831850" y="3284077"/>
+            <a:ext cx="3539050" cy="632080"/>
+          </a:xfrm>
+        </p:spPr>
+        <p:txBody>
+          <a:bodyPr>
+            <a:normAutofit/>
+          </a:bodyPr>
+          <a:lstStyle/>
+          <a:p>
+            <a:r>
+              <a:rPr lang="en-US" sz="3200" dirty="0">
+                <a:latin typeface="Rocket Sans Light" panose="020B0302020202020204" pitchFamily="34" charset="0"/>
+                <a:ea typeface="Rocket Sans Light" panose="020B0302020202020204" pitchFamily="34" charset="0"/>
+              </a:rPr>
+              <a:t>Any Questions?</a:t>
+            </a:r>
+          </a:p>
+        </p:txBody>
+      </p:sp>
+      <p:grpSp>
+        <p:nvGrpSpPr>
+          <p:cNvPr id="6" name="Group 5">
+            <a:extLst>
+              <a:ext uri="{FF2B5EF4-FFF2-40B4-BE49-F238E27FC236}">
+                <a16:creationId xmlns:a16="http://schemas.microsoft.com/office/drawing/2014/main" id="{983AC77A-B746-1C74-ADC4-7DC657ABD71D}"/>
+              </a:ext>
+            </a:extLst>
+          </p:cNvPr>
+          <p:cNvGrpSpPr/>
+          <p:nvPr/>
+        </p:nvGrpSpPr>
+        <p:grpSpPr>
+          <a:xfrm>
+            <a:off x="5708220" y="4748469"/>
+            <a:ext cx="5721780" cy="1341181"/>
+            <a:chOff x="489920" y="5305732"/>
+            <a:chExt cx="5206426" cy="1220382"/>
+          </a:xfrm>
+        </p:grpSpPr>
+        <p:pic>
+          <p:nvPicPr>
+            <p:cNvPr id="7" name="Graphic 6">
+              <a:extLst>
+                <a:ext uri="{FF2B5EF4-FFF2-40B4-BE49-F238E27FC236}">
+                  <a16:creationId xmlns:a16="http://schemas.microsoft.com/office/drawing/2014/main" id="{8E72C2B0-88B7-BEA8-D702-ED1AA5E8778C}"/>
+                </a:ext>
+              </a:extLst>
+            </p:cNvPr>
+            <p:cNvPicPr>
+              <a:picLocks noChangeAspect="1"/>
+            </p:cNvPicPr>
+            <p:nvPr/>
+          </p:nvPicPr>
+          <p:blipFill>
+            <a:blip r:embed="rId3">
+              <a:extLst>
+                <a:ext uri="{96DAC541-7B7A-43D3-8B79-37D633B846F1}">
+                  <asvg:svgBlip xmlns:asvg="http://schemas.microsoft.com/office/drawing/2016/SVG/main" r:embed="rId4"/>
+                </a:ext>
+              </a:extLst>
+            </a:blip>
+            <a:stretch>
+              <a:fillRect/>
+            </a:stretch>
+          </p:blipFill>
+          <p:spPr>
+            <a:xfrm>
+              <a:off x="489920" y="5349690"/>
+              <a:ext cx="1256210" cy="1149751"/>
+            </a:xfrm>
+            <a:prstGeom prst="rect">
+              <a:avLst/>
+            </a:prstGeom>
+          </p:spPr>
+        </p:pic>
+        <p:grpSp>
+          <p:nvGrpSpPr>
+            <p:cNvPr id="8" name="Group 7">
+              <a:extLst>
+                <a:ext uri="{FF2B5EF4-FFF2-40B4-BE49-F238E27FC236}">
+                  <a16:creationId xmlns:a16="http://schemas.microsoft.com/office/drawing/2014/main" id="{646B3DF0-5B4E-9390-2338-F6142D0AC753}"/>
+                </a:ext>
+              </a:extLst>
+            </p:cNvPr>
+            <p:cNvGrpSpPr/>
+            <p:nvPr/>
+          </p:nvGrpSpPr>
+          <p:grpSpPr>
+            <a:xfrm>
+              <a:off x="1820495" y="5305732"/>
+              <a:ext cx="3875851" cy="1220382"/>
+              <a:chOff x="1820495" y="5305732"/>
+              <a:chExt cx="3875851" cy="1220382"/>
+            </a:xfrm>
+          </p:grpSpPr>
+          <p:sp>
+            <p:nvSpPr>
+              <p:cNvPr id="9" name="TextBox 8">
+                <a:extLst>
+                  <a:ext uri="{FF2B5EF4-FFF2-40B4-BE49-F238E27FC236}">
+                    <a16:creationId xmlns:a16="http://schemas.microsoft.com/office/drawing/2014/main" id="{93A9E892-5A38-0424-8EC4-F5067C33D432}"/>
+                  </a:ext>
+                </a:extLst>
+              </p:cNvPr>
+              <p:cNvSpPr txBox="1"/>
+              <p:nvPr/>
+            </p:nvSpPr>
+            <p:spPr>
+              <a:xfrm>
+                <a:off x="1820495" y="6218053"/>
+                <a:ext cx="1168648" cy="308061"/>
+              </a:xfrm>
+              <a:prstGeom prst="rect">
+                <a:avLst/>
+              </a:prstGeom>
+              <a:noFill/>
+            </p:spPr>
+            <p:txBody>
+              <a:bodyPr wrap="none" rtlCol="0">
+                <a:spAutoFit/>
+              </a:bodyPr>
+              <a:lstStyle/>
+              <a:p>
+                <a:r>
+                  <a:rPr lang="en-US" sz="1600" dirty="0">
+                    <a:solidFill>
+                      <a:schemeClr val="tx1">
+                        <a:lumMod val="95000"/>
+                        <a:lumOff val="5000"/>
+                      </a:schemeClr>
+                    </a:solidFill>
+                    <a:latin typeface="Rocket Sans Light" panose="020B0302020202020204" pitchFamily="34" charset="0"/>
+                    <a:ea typeface="Rocket Sans Light" panose="020B0302020202020204" pitchFamily="34" charset="0"/>
+                  </a:rPr>
+                  <a:t>@cabarney</a:t>
+                </a:r>
+              </a:p>
+            </p:txBody>
+          </p:sp>
+          <p:sp>
+            <p:nvSpPr>
+              <p:cNvPr id="10" name="TextBox 9">
+                <a:extLst>
+                  <a:ext uri="{FF2B5EF4-FFF2-40B4-BE49-F238E27FC236}">
+                    <a16:creationId xmlns:a16="http://schemas.microsoft.com/office/drawing/2014/main" id="{269BD1BA-857C-4B9A-DF6B-1D502A2FE7B6}"/>
+                  </a:ext>
+                </a:extLst>
+              </p:cNvPr>
+              <p:cNvSpPr txBox="1"/>
+              <p:nvPr/>
+            </p:nvSpPr>
+            <p:spPr>
+              <a:xfrm>
+                <a:off x="1820495" y="5305732"/>
+                <a:ext cx="3352349" cy="476094"/>
+              </a:xfrm>
+              <a:prstGeom prst="rect">
+                <a:avLst/>
+              </a:prstGeom>
+              <a:noFill/>
+            </p:spPr>
+            <p:txBody>
+              <a:bodyPr wrap="square" rtlCol="0">
+                <a:spAutoFit/>
+              </a:bodyPr>
+              <a:lstStyle/>
+              <a:p>
+                <a:r>
+                  <a:rPr lang="en-US" sz="2800" dirty="0">
+                    <a:solidFill>
+                      <a:schemeClr val="tx1">
+                        <a:lumMod val="95000"/>
+                        <a:lumOff val="5000"/>
+                      </a:schemeClr>
+                    </a:solidFill>
+                    <a:latin typeface="Rocket Sans Medium" panose="020B0702020202020204" pitchFamily="34" charset="0"/>
+                    <a:ea typeface="Rocket Sans Medium" panose="020B0702020202020204" pitchFamily="34" charset="0"/>
+                  </a:rPr>
+                  <a:t>Adam Barney</a:t>
+                </a:r>
+              </a:p>
+            </p:txBody>
+          </p:sp>
+          <p:sp>
+            <p:nvSpPr>
+              <p:cNvPr id="11" name="TextBox 10">
+                <a:extLst>
+                  <a:ext uri="{FF2B5EF4-FFF2-40B4-BE49-F238E27FC236}">
+                    <a16:creationId xmlns:a16="http://schemas.microsoft.com/office/drawing/2014/main" id="{9AA1DCA0-6D67-EF2D-19DE-D3699A616F0D}"/>
+                  </a:ext>
+                </a:extLst>
+              </p:cNvPr>
+              <p:cNvSpPr txBox="1"/>
+              <p:nvPr/>
+            </p:nvSpPr>
+            <p:spPr>
+              <a:xfrm>
+                <a:off x="1820495" y="5736197"/>
+                <a:ext cx="3875851" cy="308061"/>
+              </a:xfrm>
+              <a:prstGeom prst="rect">
+                <a:avLst/>
+              </a:prstGeom>
+              <a:noFill/>
+            </p:spPr>
+            <p:txBody>
+              <a:bodyPr wrap="none" rtlCol="0">
+                <a:spAutoFit/>
+              </a:bodyPr>
+              <a:lstStyle/>
+              <a:p>
+                <a:r>
+                  <a:rPr lang="en-US" sz="1600" dirty="0">
+                    <a:solidFill>
+                      <a:schemeClr val="tx1">
+                        <a:lumMod val="95000"/>
+                        <a:lumOff val="5000"/>
+                      </a:schemeClr>
+                    </a:solidFill>
+                    <a:latin typeface="Rocket Sans Light" panose="020B0302020202020204" pitchFamily="34" charset="0"/>
+                    <a:ea typeface="Rocket Sans Light" panose="020B0302020202020204" pitchFamily="34" charset="0"/>
+                  </a:rPr>
+                  <a:t>Staff Software Engineer, Rocket Mortgage</a:t>
+                </a:r>
+              </a:p>
+            </p:txBody>
+          </p:sp>
+          <p:sp>
+            <p:nvSpPr>
+              <p:cNvPr id="12" name="TextBox 11">
+                <a:extLst>
+                  <a:ext uri="{FF2B5EF4-FFF2-40B4-BE49-F238E27FC236}">
+                    <a16:creationId xmlns:a16="http://schemas.microsoft.com/office/drawing/2014/main" id="{2E92677F-7BC5-3DEB-F847-C885D0FA0D34}"/>
+                  </a:ext>
+                </a:extLst>
+              </p:cNvPr>
+              <p:cNvSpPr txBox="1"/>
+              <p:nvPr/>
+            </p:nvSpPr>
+            <p:spPr>
+              <a:xfrm>
+                <a:off x="1820495" y="5977125"/>
+                <a:ext cx="3340538" cy="308061"/>
+              </a:xfrm>
+              <a:prstGeom prst="rect">
+                <a:avLst/>
+              </a:prstGeom>
+              <a:noFill/>
+            </p:spPr>
+            <p:txBody>
+              <a:bodyPr wrap="none" rtlCol="0">
+                <a:spAutoFit/>
+              </a:bodyPr>
+              <a:lstStyle/>
+              <a:p>
+                <a:r>
+                  <a:rPr lang="en-US" sz="1600" dirty="0">
+                    <a:solidFill>
+                      <a:schemeClr val="tx1">
+                        <a:lumMod val="95000"/>
+                        <a:lumOff val="5000"/>
+                      </a:schemeClr>
+                    </a:solidFill>
+                    <a:latin typeface="Rocket Sans Light" panose="020B0302020202020204" pitchFamily="34" charset="0"/>
+                    <a:ea typeface="Rocket Sans Light" panose="020B0302020202020204" pitchFamily="34" charset="0"/>
+                  </a:rPr>
+                  <a:t>adambarney@rocketmortgage.com</a:t>
+                </a:r>
+              </a:p>
+            </p:txBody>
+          </p:sp>
+        </p:grpSp>
+      </p:grpSp>
+    </p:spTree>
+    <p:extLst>
+      <p:ext uri="{BB962C8B-B14F-4D97-AF65-F5344CB8AC3E}">
+        <p14:creationId xmlns:p14="http://schemas.microsoft.com/office/powerpoint/2010/main" val="2180667342"/>
       </p:ext>
     </p:extLst>
   </p:cSld>

--- a/Press Button, Get Development Environment.pptx
+++ b/Press Button, Get Development Environment.pptx
@@ -265,7 +265,7 @@
           <a:p>
             <a:fld id="{A1644ED5-DBC8-49E8-8D6E-1C3C2E667529}" type="datetimeFigureOut">
               <a:rPr lang="en-US" smtClean="0"/>
-              <a:t>10/18/2022</a:t>
+              <a:t>10/19/2022</a:t>
             </a:fld>
             <a:endParaRPr lang="en-US"/>
           </a:p>
@@ -463,7 +463,7 @@
           <a:p>
             <a:fld id="{A1644ED5-DBC8-49E8-8D6E-1C3C2E667529}" type="datetimeFigureOut">
               <a:rPr lang="en-US" smtClean="0"/>
-              <a:t>10/18/2022</a:t>
+              <a:t>10/19/2022</a:t>
             </a:fld>
             <a:endParaRPr lang="en-US"/>
           </a:p>
@@ -671,7 +671,7 @@
           <a:p>
             <a:fld id="{A1644ED5-DBC8-49E8-8D6E-1C3C2E667529}" type="datetimeFigureOut">
               <a:rPr lang="en-US" smtClean="0"/>
-              <a:t>10/18/2022</a:t>
+              <a:t>10/19/2022</a:t>
             </a:fld>
             <a:endParaRPr lang="en-US"/>
           </a:p>
@@ -869,7 +869,7 @@
           <a:p>
             <a:fld id="{A1644ED5-DBC8-49E8-8D6E-1C3C2E667529}" type="datetimeFigureOut">
               <a:rPr lang="en-US" smtClean="0"/>
-              <a:t>10/18/2022</a:t>
+              <a:t>10/19/2022</a:t>
             </a:fld>
             <a:endParaRPr lang="en-US"/>
           </a:p>
@@ -1144,7 +1144,7 @@
           <a:p>
             <a:fld id="{A1644ED5-DBC8-49E8-8D6E-1C3C2E667529}" type="datetimeFigureOut">
               <a:rPr lang="en-US" smtClean="0"/>
-              <a:t>10/18/2022</a:t>
+              <a:t>10/19/2022</a:t>
             </a:fld>
             <a:endParaRPr lang="en-US"/>
           </a:p>
@@ -1409,7 +1409,7 @@
           <a:p>
             <a:fld id="{A1644ED5-DBC8-49E8-8D6E-1C3C2E667529}" type="datetimeFigureOut">
               <a:rPr lang="en-US" smtClean="0"/>
-              <a:t>10/18/2022</a:t>
+              <a:t>10/19/2022</a:t>
             </a:fld>
             <a:endParaRPr lang="en-US"/>
           </a:p>
@@ -1821,7 +1821,7 @@
           <a:p>
             <a:fld id="{A1644ED5-DBC8-49E8-8D6E-1C3C2E667529}" type="datetimeFigureOut">
               <a:rPr lang="en-US" smtClean="0"/>
-              <a:t>10/18/2022</a:t>
+              <a:t>10/19/2022</a:t>
             </a:fld>
             <a:endParaRPr lang="en-US"/>
           </a:p>
@@ -1962,7 +1962,7 @@
           <a:p>
             <a:fld id="{A1644ED5-DBC8-49E8-8D6E-1C3C2E667529}" type="datetimeFigureOut">
               <a:rPr lang="en-US" smtClean="0"/>
-              <a:t>10/18/2022</a:t>
+              <a:t>10/19/2022</a:t>
             </a:fld>
             <a:endParaRPr lang="en-US"/>
           </a:p>
@@ -2075,7 +2075,7 @@
           <a:p>
             <a:fld id="{A1644ED5-DBC8-49E8-8D6E-1C3C2E667529}" type="datetimeFigureOut">
               <a:rPr lang="en-US" smtClean="0"/>
-              <a:t>10/18/2022</a:t>
+              <a:t>10/19/2022</a:t>
             </a:fld>
             <a:endParaRPr lang="en-US"/>
           </a:p>
@@ -2386,7 +2386,7 @@
           <a:p>
             <a:fld id="{A1644ED5-DBC8-49E8-8D6E-1C3C2E667529}" type="datetimeFigureOut">
               <a:rPr lang="en-US" smtClean="0"/>
-              <a:t>10/18/2022</a:t>
+              <a:t>10/19/2022</a:t>
             </a:fld>
             <a:endParaRPr lang="en-US"/>
           </a:p>
@@ -2674,7 +2674,7 @@
           <a:p>
             <a:fld id="{A1644ED5-DBC8-49E8-8D6E-1C3C2E667529}" type="datetimeFigureOut">
               <a:rPr lang="en-US" smtClean="0"/>
-              <a:t>10/18/2022</a:t>
+              <a:t>10/19/2022</a:t>
             </a:fld>
             <a:endParaRPr lang="en-US"/>
           </a:p>
@@ -2915,7 +2915,7 @@
           <a:p>
             <a:fld id="{A1644ED5-DBC8-49E8-8D6E-1C3C2E667529}" type="datetimeFigureOut">
               <a:rPr lang="en-US" smtClean="0"/>
-              <a:t>10/18/2022</a:t>
+              <a:t>10/19/2022</a:t>
             </a:fld>
             <a:endParaRPr lang="en-US"/>
           </a:p>
@@ -3589,10 +3589,10 @@
       </p:pic>
       <p:grpSp>
         <p:nvGrpSpPr>
-          <p:cNvPr id="8" name="Group 7">
-            <a:extLst>
-              <a:ext uri="{FF2B5EF4-FFF2-40B4-BE49-F238E27FC236}">
-                <a16:creationId xmlns:a16="http://schemas.microsoft.com/office/drawing/2014/main" id="{58065AEB-E663-B5E4-DE4C-BD3663A30639}"/>
+          <p:cNvPr id="10" name="Group 9">
+            <a:extLst>
+              <a:ext uri="{FF2B5EF4-FFF2-40B4-BE49-F238E27FC236}">
+                <a16:creationId xmlns:a16="http://schemas.microsoft.com/office/drawing/2014/main" id="{CE0F0DCE-F464-8FA3-FB25-3B7E46E488A8}"/>
               </a:ext>
             </a:extLst>
           </p:cNvPr>
@@ -3601,245 +3601,188 @@
         </p:nvGrpSpPr>
         <p:grpSpPr>
           <a:xfrm>
-            <a:off x="5408619" y="4824657"/>
-            <a:ext cx="5721780" cy="1341181"/>
-            <a:chOff x="489920" y="5305732"/>
-            <a:chExt cx="5206426" cy="1220382"/>
+            <a:off x="1204403" y="4261321"/>
+            <a:ext cx="5272597" cy="1653319"/>
+            <a:chOff x="1820495" y="5305732"/>
+            <a:chExt cx="4797701" cy="1504406"/>
           </a:xfrm>
         </p:grpSpPr>
-        <p:pic>
-          <p:nvPicPr>
-            <p:cNvPr id="9" name="Graphic 8">
+        <p:sp>
+          <p:nvSpPr>
+            <p:cNvPr id="11" name="TextBox 10">
               <a:extLst>
                 <a:ext uri="{FF2B5EF4-FFF2-40B4-BE49-F238E27FC236}">
-                  <a16:creationId xmlns:a16="http://schemas.microsoft.com/office/drawing/2014/main" id="{CB8EDF82-F17F-5377-C3B1-E6F6232A0A73}"/>
+                  <a16:creationId xmlns:a16="http://schemas.microsoft.com/office/drawing/2014/main" id="{8EF824E4-C965-B7C7-A9D7-D91D7AEC7CA3}"/>
                 </a:ext>
               </a:extLst>
             </p:cNvPr>
-            <p:cNvPicPr>
-              <a:picLocks noChangeAspect="1"/>
-            </p:cNvPicPr>
+            <p:cNvSpPr txBox="1"/>
             <p:nvPr/>
-          </p:nvPicPr>
-          <p:blipFill>
-            <a:blip r:embed="rId3">
-              <a:extLst>
-                <a:ext uri="{96DAC541-7B7A-43D3-8B79-37D633B846F1}">
-                  <asvg:svgBlip xmlns:asvg="http://schemas.microsoft.com/office/drawing/2016/SVG/main" r:embed="rId4"/>
-                </a:ext>
-              </a:extLst>
-            </a:blip>
-            <a:stretch>
-              <a:fillRect/>
-            </a:stretch>
-          </p:blipFill>
+          </p:nvSpPr>
           <p:spPr>
             <a:xfrm>
-              <a:off x="489920" y="5349690"/>
-              <a:ext cx="1256210" cy="1149751"/>
+              <a:off x="1820495" y="6446066"/>
+              <a:ext cx="1416614" cy="364072"/>
             </a:xfrm>
             <a:prstGeom prst="rect">
               <a:avLst/>
             </a:prstGeom>
+            <a:noFill/>
           </p:spPr>
-        </p:pic>
-        <p:grpSp>
-          <p:nvGrpSpPr>
-            <p:cNvPr id="10" name="Group 9">
+          <p:txBody>
+            <a:bodyPr wrap="none" rtlCol="0">
+              <a:spAutoFit/>
+            </a:bodyPr>
+            <a:lstStyle/>
+            <a:p>
+              <a:r>
+                <a:rPr lang="en-US" sz="2000" dirty="0">
+                  <a:solidFill>
+                    <a:schemeClr val="tx1">
+                      <a:lumMod val="95000"/>
+                      <a:lumOff val="5000"/>
+                    </a:schemeClr>
+                  </a:solidFill>
+                  <a:latin typeface="Rocket Sans Light" panose="020B0302020202020204" pitchFamily="34" charset="0"/>
+                  <a:ea typeface="Rocket Sans Light" panose="020B0302020202020204" pitchFamily="34" charset="0"/>
+                </a:rPr>
+                <a:t>@cabarney</a:t>
+              </a:r>
+            </a:p>
+          </p:txBody>
+        </p:sp>
+        <p:sp>
+          <p:nvSpPr>
+            <p:cNvPr id="12" name="TextBox 11">
               <a:extLst>
                 <a:ext uri="{FF2B5EF4-FFF2-40B4-BE49-F238E27FC236}">
-                  <a16:creationId xmlns:a16="http://schemas.microsoft.com/office/drawing/2014/main" id="{CE0F0DCE-F464-8FA3-FB25-3B7E46E488A8}"/>
+                  <a16:creationId xmlns:a16="http://schemas.microsoft.com/office/drawing/2014/main" id="{F8DCFBCF-5417-84B0-8E37-7900E16A0F37}"/>
                 </a:ext>
               </a:extLst>
             </p:cNvPr>
-            <p:cNvGrpSpPr/>
+            <p:cNvSpPr txBox="1"/>
             <p:nvPr/>
-          </p:nvGrpSpPr>
-          <p:grpSpPr>
+          </p:nvSpPr>
+          <p:spPr>
             <a:xfrm>
               <a:off x="1820495" y="5305732"/>
-              <a:ext cx="3875851" cy="1220382"/>
-              <a:chOff x="1820495" y="5305732"/>
-              <a:chExt cx="3875851" cy="1220382"/>
+              <a:ext cx="3352349" cy="588117"/>
             </a:xfrm>
-          </p:grpSpPr>
-          <p:sp>
-            <p:nvSpPr>
-              <p:cNvPr id="11" name="TextBox 10">
-                <a:extLst>
-                  <a:ext uri="{FF2B5EF4-FFF2-40B4-BE49-F238E27FC236}">
-                    <a16:creationId xmlns:a16="http://schemas.microsoft.com/office/drawing/2014/main" id="{8EF824E4-C965-B7C7-A9D7-D91D7AEC7CA3}"/>
-                  </a:ext>
-                </a:extLst>
-              </p:cNvPr>
-              <p:cNvSpPr txBox="1"/>
-              <p:nvPr/>
-            </p:nvSpPr>
-            <p:spPr>
-              <a:xfrm>
-                <a:off x="1820495" y="6218053"/>
-                <a:ext cx="1168648" cy="308061"/>
-              </a:xfrm>
-              <a:prstGeom prst="rect">
-                <a:avLst/>
-              </a:prstGeom>
-              <a:noFill/>
-            </p:spPr>
-            <p:txBody>
-              <a:bodyPr wrap="none" rtlCol="0">
-                <a:spAutoFit/>
-              </a:bodyPr>
-              <a:lstStyle/>
-              <a:p>
-                <a:r>
-                  <a:rPr lang="en-US" sz="1600" dirty="0">
-                    <a:solidFill>
-                      <a:schemeClr val="tx1">
-                        <a:lumMod val="95000"/>
-                        <a:lumOff val="5000"/>
-                      </a:schemeClr>
-                    </a:solidFill>
-                    <a:latin typeface="Rocket Sans Light" panose="020B0302020202020204" pitchFamily="34" charset="0"/>
-                    <a:ea typeface="Rocket Sans Light" panose="020B0302020202020204" pitchFamily="34" charset="0"/>
-                  </a:rPr>
-                  <a:t>@cabarney</a:t>
-                </a:r>
-              </a:p>
-            </p:txBody>
-          </p:sp>
-          <p:sp>
-            <p:nvSpPr>
-              <p:cNvPr id="12" name="TextBox 11">
-                <a:extLst>
-                  <a:ext uri="{FF2B5EF4-FFF2-40B4-BE49-F238E27FC236}">
-                    <a16:creationId xmlns:a16="http://schemas.microsoft.com/office/drawing/2014/main" id="{F8DCFBCF-5417-84B0-8E37-7900E16A0F37}"/>
-                  </a:ext>
-                </a:extLst>
-              </p:cNvPr>
-              <p:cNvSpPr txBox="1"/>
-              <p:nvPr/>
-            </p:nvSpPr>
-            <p:spPr>
-              <a:xfrm>
-                <a:off x="1820495" y="5305732"/>
-                <a:ext cx="3352349" cy="476094"/>
-              </a:xfrm>
-              <a:prstGeom prst="rect">
-                <a:avLst/>
-              </a:prstGeom>
-              <a:noFill/>
-            </p:spPr>
-            <p:txBody>
-              <a:bodyPr wrap="square" rtlCol="0">
-                <a:spAutoFit/>
-              </a:bodyPr>
-              <a:lstStyle/>
-              <a:p>
-                <a:r>
-                  <a:rPr lang="en-US" sz="2800" dirty="0">
-                    <a:solidFill>
-                      <a:schemeClr val="tx1">
-                        <a:lumMod val="95000"/>
-                        <a:lumOff val="5000"/>
-                      </a:schemeClr>
-                    </a:solidFill>
-                    <a:latin typeface="Rocket Sans Medium" panose="020B0702020202020204" pitchFamily="34" charset="0"/>
-                    <a:ea typeface="Rocket Sans Medium" panose="020B0702020202020204" pitchFamily="34" charset="0"/>
-                  </a:rPr>
-                  <a:t>Adam Barney</a:t>
-                </a:r>
-              </a:p>
-            </p:txBody>
-          </p:sp>
-          <p:sp>
-            <p:nvSpPr>
-              <p:cNvPr id="13" name="TextBox 12">
-                <a:extLst>
-                  <a:ext uri="{FF2B5EF4-FFF2-40B4-BE49-F238E27FC236}">
-                    <a16:creationId xmlns:a16="http://schemas.microsoft.com/office/drawing/2014/main" id="{84E7E4D5-494D-108F-6CB7-2B4F947879C7}"/>
-                  </a:ext>
-                </a:extLst>
-              </p:cNvPr>
-              <p:cNvSpPr txBox="1"/>
-              <p:nvPr/>
-            </p:nvSpPr>
-            <p:spPr>
-              <a:xfrm>
-                <a:off x="1820495" y="5736197"/>
-                <a:ext cx="3875851" cy="308061"/>
-              </a:xfrm>
-              <a:prstGeom prst="rect">
-                <a:avLst/>
-              </a:prstGeom>
-              <a:noFill/>
-            </p:spPr>
-            <p:txBody>
-              <a:bodyPr wrap="none" rtlCol="0">
-                <a:spAutoFit/>
-              </a:bodyPr>
-              <a:lstStyle/>
-              <a:p>
-                <a:r>
-                  <a:rPr lang="en-US" sz="1600" dirty="0">
-                    <a:solidFill>
-                      <a:schemeClr val="tx1">
-                        <a:lumMod val="95000"/>
-                        <a:lumOff val="5000"/>
-                      </a:schemeClr>
-                    </a:solidFill>
-                    <a:latin typeface="Rocket Sans Light" panose="020B0302020202020204" pitchFamily="34" charset="0"/>
-                    <a:ea typeface="Rocket Sans Light" panose="020B0302020202020204" pitchFamily="34" charset="0"/>
-                  </a:rPr>
-                  <a:t>Staff Software Engineer, Rocket Mortgage</a:t>
-                </a:r>
-              </a:p>
-            </p:txBody>
-          </p:sp>
-          <p:sp>
-            <p:nvSpPr>
-              <p:cNvPr id="14" name="TextBox 13">
-                <a:extLst>
-                  <a:ext uri="{FF2B5EF4-FFF2-40B4-BE49-F238E27FC236}">
-                    <a16:creationId xmlns:a16="http://schemas.microsoft.com/office/drawing/2014/main" id="{7E1B9C26-9CFA-8D14-6055-6D596D0AECB7}"/>
-                  </a:ext>
-                </a:extLst>
-              </p:cNvPr>
-              <p:cNvSpPr txBox="1"/>
-              <p:nvPr/>
-            </p:nvSpPr>
-            <p:spPr>
-              <a:xfrm>
-                <a:off x="1820495" y="5977125"/>
-                <a:ext cx="3340538" cy="308061"/>
-              </a:xfrm>
-              <a:prstGeom prst="rect">
-                <a:avLst/>
-              </a:prstGeom>
-              <a:noFill/>
-            </p:spPr>
-            <p:txBody>
-              <a:bodyPr wrap="none" rtlCol="0">
-                <a:spAutoFit/>
-              </a:bodyPr>
-              <a:lstStyle/>
-              <a:p>
-                <a:r>
-                  <a:rPr lang="en-US" sz="1600" dirty="0">
-                    <a:solidFill>
-                      <a:schemeClr val="tx1">
-                        <a:lumMod val="95000"/>
-                        <a:lumOff val="5000"/>
-                      </a:schemeClr>
-                    </a:solidFill>
-                    <a:latin typeface="Rocket Sans Light" panose="020B0302020202020204" pitchFamily="34" charset="0"/>
-                    <a:ea typeface="Rocket Sans Light" panose="020B0302020202020204" pitchFamily="34" charset="0"/>
-                  </a:rPr>
-                  <a:t>adambarney@rocketmortgage.com</a:t>
-                </a:r>
-              </a:p>
-            </p:txBody>
-          </p:sp>
-        </p:grpSp>
+            <a:prstGeom prst="rect">
+              <a:avLst/>
+            </a:prstGeom>
+            <a:noFill/>
+          </p:spPr>
+          <p:txBody>
+            <a:bodyPr wrap="square" rtlCol="0">
+              <a:spAutoFit/>
+            </a:bodyPr>
+            <a:lstStyle/>
+            <a:p>
+              <a:r>
+                <a:rPr lang="en-US" sz="3600" dirty="0">
+                  <a:solidFill>
+                    <a:schemeClr val="tx1">
+                      <a:lumMod val="95000"/>
+                      <a:lumOff val="5000"/>
+                    </a:schemeClr>
+                  </a:solidFill>
+                  <a:latin typeface="Rocket Sans Medium" panose="020B0702020202020204" pitchFamily="34" charset="0"/>
+                  <a:ea typeface="Rocket Sans Medium" panose="020B0702020202020204" pitchFamily="34" charset="0"/>
+                </a:rPr>
+                <a:t>Adam Barney</a:t>
+              </a:r>
+            </a:p>
+          </p:txBody>
+        </p:sp>
+        <p:sp>
+          <p:nvSpPr>
+            <p:cNvPr id="13" name="TextBox 12">
+              <a:extLst>
+                <a:ext uri="{FF2B5EF4-FFF2-40B4-BE49-F238E27FC236}">
+                  <a16:creationId xmlns:a16="http://schemas.microsoft.com/office/drawing/2014/main" id="{84E7E4D5-494D-108F-6CB7-2B4F947879C7}"/>
+                </a:ext>
+              </a:extLst>
+            </p:cNvPr>
+            <p:cNvSpPr txBox="1"/>
+            <p:nvPr/>
+          </p:nvSpPr>
+          <p:spPr>
+            <a:xfrm>
+              <a:off x="1820495" y="5835206"/>
+              <a:ext cx="4797701" cy="364072"/>
+            </a:xfrm>
+            <a:prstGeom prst="rect">
+              <a:avLst/>
+            </a:prstGeom>
+            <a:noFill/>
+          </p:spPr>
+          <p:txBody>
+            <a:bodyPr wrap="none" rtlCol="0">
+              <a:spAutoFit/>
+            </a:bodyPr>
+            <a:lstStyle/>
+            <a:p>
+              <a:r>
+                <a:rPr lang="en-US" sz="2000" dirty="0">
+                  <a:solidFill>
+                    <a:schemeClr val="tx1">
+                      <a:lumMod val="95000"/>
+                      <a:lumOff val="5000"/>
+                    </a:schemeClr>
+                  </a:solidFill>
+                  <a:latin typeface="Rocket Sans Light" panose="020B0302020202020204" pitchFamily="34" charset="0"/>
+                  <a:ea typeface="Rocket Sans Light" panose="020B0302020202020204" pitchFamily="34" charset="0"/>
+                </a:rPr>
+                <a:t>Staff Software Engineer, Rocket Mortgage</a:t>
+              </a:r>
+            </a:p>
+          </p:txBody>
+        </p:sp>
+        <p:sp>
+          <p:nvSpPr>
+            <p:cNvPr id="14" name="TextBox 13">
+              <a:extLst>
+                <a:ext uri="{FF2B5EF4-FFF2-40B4-BE49-F238E27FC236}">
+                  <a16:creationId xmlns:a16="http://schemas.microsoft.com/office/drawing/2014/main" id="{7E1B9C26-9CFA-8D14-6055-6D596D0AECB7}"/>
+                </a:ext>
+              </a:extLst>
+            </p:cNvPr>
+            <p:cNvSpPr txBox="1"/>
+            <p:nvPr/>
+          </p:nvSpPr>
+          <p:spPr>
+            <a:xfrm>
+              <a:off x="1820495" y="6140635"/>
+              <a:ext cx="4128194" cy="364072"/>
+            </a:xfrm>
+            <a:prstGeom prst="rect">
+              <a:avLst/>
+            </a:prstGeom>
+            <a:noFill/>
+          </p:spPr>
+          <p:txBody>
+            <a:bodyPr wrap="none" rtlCol="0">
+              <a:spAutoFit/>
+            </a:bodyPr>
+            <a:lstStyle/>
+            <a:p>
+              <a:r>
+                <a:rPr lang="en-US" sz="2000" dirty="0">
+                  <a:solidFill>
+                    <a:schemeClr val="tx1">
+                      <a:lumMod val="95000"/>
+                      <a:lumOff val="5000"/>
+                    </a:schemeClr>
+                  </a:solidFill>
+                  <a:latin typeface="Rocket Sans Light" panose="020B0302020202020204" pitchFamily="34" charset="0"/>
+                  <a:ea typeface="Rocket Sans Light" panose="020B0302020202020204" pitchFamily="34" charset="0"/>
+                </a:rPr>
+                <a:t>adambarney@rocketmortgage.com</a:t>
+              </a:r>
+            </a:p>
+          </p:txBody>
+        </p:sp>
       </p:grpSp>
       <p:pic>
         <p:nvPicPr>
@@ -3856,13 +3799,13 @@
           <p:nvPr/>
         </p:nvPicPr>
         <p:blipFill>
-          <a:blip r:embed="rId5">
+          <a:blip r:embed="rId3">
             <a:extLst>
               <a:ext uri="{28A0092B-C50C-407E-A947-70E740481C1C}">
                 <a14:useLocalDpi xmlns:a14="http://schemas.microsoft.com/office/drawing/2010/main" val="0"/>
               </a:ext>
               <a:ext uri="{96DAC541-7B7A-43D3-8B79-37D633B846F1}">
-                <asvg:svgBlip xmlns:asvg="http://schemas.microsoft.com/office/drawing/2016/SVG/main" r:embed="rId6"/>
+                <asvg:svgBlip xmlns:asvg="http://schemas.microsoft.com/office/drawing/2016/SVG/main" r:embed="rId4"/>
               </a:ext>
             </a:extLst>
           </a:blip>
@@ -4243,8 +4186,8 @@
           </a:stretch>
         </p:blipFill>
         <p:spPr>
-          <a:xfrm rot="18356412">
-            <a:off x="-851279" y="715328"/>
+          <a:xfrm rot="19267987">
+            <a:off x="-1566174" y="707015"/>
             <a:ext cx="9572624" cy="4786312"/>
           </a:xfrm>
           <a:prstGeom prst="rect">
@@ -4304,8 +4247,8 @@
         </p:nvSpPr>
         <p:spPr>
           <a:xfrm>
-            <a:off x="6009968" y="1825625"/>
-            <a:ext cx="5343832" cy="4351338"/>
+            <a:off x="5669145" y="1468177"/>
+            <a:ext cx="6342745" cy="5024697"/>
           </a:xfrm>
         </p:spPr>
         <p:txBody>
@@ -4371,6 +4314,18 @@
                 <a:ea typeface="Rocket Sans Light" panose="020B0302020202020204" pitchFamily="34" charset="0"/>
               </a:rPr>
               <a:t>Ease the process of onboarding new engineers</a:t>
+            </a:r>
+          </a:p>
+          <a:p>
+            <a:r>
+              <a:rPr lang="en-US" dirty="0">
+                <a:solidFill>
+                  <a:schemeClr val="bg1"/>
+                </a:solidFill>
+                <a:latin typeface="Rocket Sans Light" panose="020B0302020202020204" pitchFamily="34" charset="0"/>
+                <a:ea typeface="Rocket Sans Light" panose="020B0302020202020204" pitchFamily="34" charset="0"/>
+              </a:rPr>
+              <a:t>Explore Pull Requests for repos you don’t actively work on</a:t>
             </a:r>
           </a:p>
         </p:txBody>
@@ -5210,10 +5165,10 @@
       </p:sp>
       <p:grpSp>
         <p:nvGrpSpPr>
-          <p:cNvPr id="6" name="Group 5">
-            <a:extLst>
-              <a:ext uri="{FF2B5EF4-FFF2-40B4-BE49-F238E27FC236}">
-                <a16:creationId xmlns:a16="http://schemas.microsoft.com/office/drawing/2014/main" id="{983AC77A-B746-1C74-ADC4-7DC657ABD71D}"/>
+          <p:cNvPr id="2" name="Group 1">
+            <a:extLst>
+              <a:ext uri="{FF2B5EF4-FFF2-40B4-BE49-F238E27FC236}">
+                <a16:creationId xmlns:a16="http://schemas.microsoft.com/office/drawing/2014/main" id="{137D0078-FAFB-17B2-7977-1DDB210B5459}"/>
               </a:ext>
             </a:extLst>
           </p:cNvPr>
@@ -5222,18 +5177,18 @@
         </p:nvGrpSpPr>
         <p:grpSpPr>
           <a:xfrm>
-            <a:off x="5708220" y="4748469"/>
-            <a:ext cx="5721780" cy="1341181"/>
-            <a:chOff x="489920" y="5305732"/>
-            <a:chExt cx="5206426" cy="1220382"/>
+            <a:off x="4370900" y="4560419"/>
+            <a:ext cx="7238568" cy="1653319"/>
+            <a:chOff x="4904929" y="4824657"/>
+            <a:chExt cx="7238568" cy="1653319"/>
           </a:xfrm>
         </p:grpSpPr>
         <p:pic>
           <p:nvPicPr>
-            <p:cNvPr id="7" name="Graphic 6">
+            <p:cNvPr id="3" name="Graphic 2">
               <a:extLst>
                 <a:ext uri="{FF2B5EF4-FFF2-40B4-BE49-F238E27FC236}">
-                  <a16:creationId xmlns:a16="http://schemas.microsoft.com/office/drawing/2014/main" id="{8E72C2B0-88B7-BEA8-D702-ED1AA5E8778C}"/>
+                  <a16:creationId xmlns:a16="http://schemas.microsoft.com/office/drawing/2014/main" id="{122D8A72-6A00-CFF9-A933-58405CBB0C68}"/>
                 </a:ext>
               </a:extLst>
             </p:cNvPr>
@@ -5256,8 +5211,8 @@
           </p:blipFill>
           <p:spPr>
             <a:xfrm>
-              <a:off x="489920" y="5349690"/>
-              <a:ext cx="1256210" cy="1149751"/>
+              <a:off x="4904929" y="4842559"/>
+              <a:ext cx="1786844" cy="1635417"/>
             </a:xfrm>
             <a:prstGeom prst="rect">
               <a:avLst/>
@@ -5266,10 +5221,10 @@
         </p:pic>
         <p:grpSp>
           <p:nvGrpSpPr>
-            <p:cNvPr id="8" name="Group 7">
+            <p:cNvPr id="14" name="Group 13">
               <a:extLst>
                 <a:ext uri="{FF2B5EF4-FFF2-40B4-BE49-F238E27FC236}">
-                  <a16:creationId xmlns:a16="http://schemas.microsoft.com/office/drawing/2014/main" id="{646B3DF0-5B4E-9390-2338-F6142D0AC753}"/>
+                  <a16:creationId xmlns:a16="http://schemas.microsoft.com/office/drawing/2014/main" id="{FC2FBCC0-41AF-D41B-A5D3-0337C12396BA}"/>
                 </a:ext>
               </a:extLst>
             </p:cNvPr>
@@ -5278,18 +5233,18 @@
           </p:nvGrpSpPr>
           <p:grpSpPr>
             <a:xfrm>
-              <a:off x="1820495" y="5305732"/>
-              <a:ext cx="3875851" cy="1220382"/>
+              <a:off x="6870900" y="4824657"/>
+              <a:ext cx="5272597" cy="1653319"/>
               <a:chOff x="1820495" y="5305732"/>
-              <a:chExt cx="3875851" cy="1220382"/>
+              <a:chExt cx="4797701" cy="1504406"/>
             </a:xfrm>
           </p:grpSpPr>
           <p:sp>
             <p:nvSpPr>
-              <p:cNvPr id="9" name="TextBox 8">
+              <p:cNvPr id="15" name="TextBox 14">
                 <a:extLst>
                   <a:ext uri="{FF2B5EF4-FFF2-40B4-BE49-F238E27FC236}">
-                    <a16:creationId xmlns:a16="http://schemas.microsoft.com/office/drawing/2014/main" id="{93A9E892-5A38-0424-8EC4-F5067C33D432}"/>
+                    <a16:creationId xmlns:a16="http://schemas.microsoft.com/office/drawing/2014/main" id="{FBF57AD1-1BDF-AF98-146D-E7C16A8503DB}"/>
                   </a:ext>
                 </a:extLst>
               </p:cNvPr>
@@ -5298,8 +5253,8 @@
             </p:nvSpPr>
             <p:spPr>
               <a:xfrm>
-                <a:off x="1820495" y="6218053"/>
-                <a:ext cx="1168648" cy="308061"/>
+                <a:off x="1820495" y="6446066"/>
+                <a:ext cx="1416614" cy="364072"/>
               </a:xfrm>
               <a:prstGeom prst="rect">
                 <a:avLst/>
@@ -5313,7 +5268,7 @@
               <a:lstStyle/>
               <a:p>
                 <a:r>
-                  <a:rPr lang="en-US" sz="1600" dirty="0">
+                  <a:rPr lang="en-US" sz="2000" dirty="0">
                     <a:solidFill>
                       <a:schemeClr val="tx1">
                         <a:lumMod val="95000"/>
@@ -5330,10 +5285,10 @@
           </p:sp>
           <p:sp>
             <p:nvSpPr>
-              <p:cNvPr id="10" name="TextBox 9">
+              <p:cNvPr id="16" name="TextBox 15">
                 <a:extLst>
                   <a:ext uri="{FF2B5EF4-FFF2-40B4-BE49-F238E27FC236}">
-                    <a16:creationId xmlns:a16="http://schemas.microsoft.com/office/drawing/2014/main" id="{269BD1BA-857C-4B9A-DF6B-1D502A2FE7B6}"/>
+                    <a16:creationId xmlns:a16="http://schemas.microsoft.com/office/drawing/2014/main" id="{263EC5DB-0559-A085-84CA-D9A88C10F1F6}"/>
                   </a:ext>
                 </a:extLst>
               </p:cNvPr>
@@ -5343,7 +5298,7 @@
             <p:spPr>
               <a:xfrm>
                 <a:off x="1820495" y="5305732"/>
-                <a:ext cx="3352349" cy="476094"/>
+                <a:ext cx="3352349" cy="588117"/>
               </a:xfrm>
               <a:prstGeom prst="rect">
                 <a:avLst/>
@@ -5357,7 +5312,7 @@
               <a:lstStyle/>
               <a:p>
                 <a:r>
-                  <a:rPr lang="en-US" sz="2800" dirty="0">
+                  <a:rPr lang="en-US" sz="3600" dirty="0">
                     <a:solidFill>
                       <a:schemeClr val="tx1">
                         <a:lumMod val="95000"/>
@@ -5374,10 +5329,10 @@
           </p:sp>
           <p:sp>
             <p:nvSpPr>
-              <p:cNvPr id="11" name="TextBox 10">
+              <p:cNvPr id="17" name="TextBox 16">
                 <a:extLst>
                   <a:ext uri="{FF2B5EF4-FFF2-40B4-BE49-F238E27FC236}">
-                    <a16:creationId xmlns:a16="http://schemas.microsoft.com/office/drawing/2014/main" id="{9AA1DCA0-6D67-EF2D-19DE-D3699A616F0D}"/>
+                    <a16:creationId xmlns:a16="http://schemas.microsoft.com/office/drawing/2014/main" id="{C6E4DF07-51FB-B91C-A85B-172400224ACF}"/>
                   </a:ext>
                 </a:extLst>
               </p:cNvPr>
@@ -5386,8 +5341,8 @@
             </p:nvSpPr>
             <p:spPr>
               <a:xfrm>
-                <a:off x="1820495" y="5736197"/>
-                <a:ext cx="3875851" cy="308061"/>
+                <a:off x="1820495" y="5835206"/>
+                <a:ext cx="4797701" cy="364072"/>
               </a:xfrm>
               <a:prstGeom prst="rect">
                 <a:avLst/>
@@ -5401,7 +5356,7 @@
               <a:lstStyle/>
               <a:p>
                 <a:r>
-                  <a:rPr lang="en-US" sz="1600" dirty="0">
+                  <a:rPr lang="en-US" sz="2000" dirty="0">
                     <a:solidFill>
                       <a:schemeClr val="tx1">
                         <a:lumMod val="95000"/>
@@ -5418,10 +5373,10 @@
           </p:sp>
           <p:sp>
             <p:nvSpPr>
-              <p:cNvPr id="12" name="TextBox 11">
+              <p:cNvPr id="18" name="TextBox 17">
                 <a:extLst>
                   <a:ext uri="{FF2B5EF4-FFF2-40B4-BE49-F238E27FC236}">
-                    <a16:creationId xmlns:a16="http://schemas.microsoft.com/office/drawing/2014/main" id="{2E92677F-7BC5-3DEB-F847-C885D0FA0D34}"/>
+                    <a16:creationId xmlns:a16="http://schemas.microsoft.com/office/drawing/2014/main" id="{07CD8E21-CD80-2419-A8B9-7880D7383EF8}"/>
                   </a:ext>
                 </a:extLst>
               </p:cNvPr>
@@ -5430,8 +5385,8 @@
             </p:nvSpPr>
             <p:spPr>
               <a:xfrm>
-                <a:off x="1820495" y="5977125"/>
-                <a:ext cx="3340538" cy="308061"/>
+                <a:off x="1820495" y="6140635"/>
+                <a:ext cx="4128194" cy="364072"/>
               </a:xfrm>
               <a:prstGeom prst="rect">
                 <a:avLst/>
@@ -5445,7 +5400,7 @@
               <a:lstStyle/>
               <a:p>
                 <a:r>
-                  <a:rPr lang="en-US" sz="1600" dirty="0">
+                  <a:rPr lang="en-US" sz="2000" dirty="0">
                     <a:solidFill>
                       <a:schemeClr val="tx1">
                         <a:lumMod val="95000"/>

--- a/Press Button, Get Development Environment.pptx
+++ b/Press Button, Get Development Environment.pptx
@@ -4,6 +4,9 @@
   <p:sldMasterIdLst>
     <p:sldMasterId id="2147483648" r:id="rId1"/>
   </p:sldMasterIdLst>
+  <p:notesMasterIdLst>
+    <p:notesMasterId r:id="rId9"/>
+  </p:notesMasterIdLst>
   <p:sldIdLst>
     <p:sldId id="256" r:id="rId2"/>
     <p:sldId id="257" r:id="rId3"/>
@@ -118,6 +121,513 @@
 </p:presentation>
 </file>
 
+<file path=ppt/notesMasters/notesMaster1.xml><?xml version="1.0" encoding="utf-8"?>
+<p:notesMaster xmlns:a="http://schemas.openxmlformats.org/drawingml/2006/main" xmlns:r="http://schemas.openxmlformats.org/officeDocument/2006/relationships" xmlns:p="http://schemas.openxmlformats.org/presentationml/2006/main">
+  <p:cSld>
+    <p:bg>
+      <p:bgRef idx="1001">
+        <a:schemeClr val="bg1"/>
+      </p:bgRef>
+    </p:bg>
+    <p:spTree>
+      <p:nvGrpSpPr>
+        <p:cNvPr id="1" name=""/>
+        <p:cNvGrpSpPr/>
+        <p:nvPr/>
+      </p:nvGrpSpPr>
+      <p:grpSpPr>
+        <a:xfrm>
+          <a:off x="0" y="0"/>
+          <a:ext cx="0" cy="0"/>
+          <a:chOff x="0" y="0"/>
+          <a:chExt cx="0" cy="0"/>
+        </a:xfrm>
+      </p:grpSpPr>
+      <p:sp>
+        <p:nvSpPr>
+          <p:cNvPr id="2" name="Header Placeholder 1"/>
+          <p:cNvSpPr>
+            <a:spLocks noGrp="1"/>
+          </p:cNvSpPr>
+          <p:nvPr>
+            <p:ph type="hdr" sz="quarter"/>
+          </p:nvPr>
+        </p:nvSpPr>
+        <p:spPr>
+          <a:xfrm>
+            <a:off x="0" y="0"/>
+            <a:ext cx="2971800" cy="458788"/>
+          </a:xfrm>
+          <a:prstGeom prst="rect">
+            <a:avLst/>
+          </a:prstGeom>
+        </p:spPr>
+        <p:txBody>
+          <a:bodyPr vert="horz" lIns="91440" tIns="45720" rIns="91440" bIns="45720" rtlCol="0"/>
+          <a:lstStyle>
+            <a:lvl1pPr algn="l">
+              <a:defRPr sz="1200"/>
+            </a:lvl1pPr>
+          </a:lstStyle>
+          <a:p>
+            <a:endParaRPr lang="en-US"/>
+          </a:p>
+        </p:txBody>
+      </p:sp>
+      <p:sp>
+        <p:nvSpPr>
+          <p:cNvPr id="3" name="Date Placeholder 2"/>
+          <p:cNvSpPr>
+            <a:spLocks noGrp="1"/>
+          </p:cNvSpPr>
+          <p:nvPr>
+            <p:ph type="dt" idx="1"/>
+          </p:nvPr>
+        </p:nvSpPr>
+        <p:spPr>
+          <a:xfrm>
+            <a:off x="3884613" y="0"/>
+            <a:ext cx="2971800" cy="458788"/>
+          </a:xfrm>
+          <a:prstGeom prst="rect">
+            <a:avLst/>
+          </a:prstGeom>
+        </p:spPr>
+        <p:txBody>
+          <a:bodyPr vert="horz" lIns="91440" tIns="45720" rIns="91440" bIns="45720" rtlCol="0"/>
+          <a:lstStyle>
+            <a:lvl1pPr algn="r">
+              <a:defRPr sz="1200"/>
+            </a:lvl1pPr>
+          </a:lstStyle>
+          <a:p>
+            <a:fld id="{94D9A9AC-593C-4C0C-8E79-4C4E284D9A19}" type="datetimeFigureOut">
+              <a:rPr lang="en-US" smtClean="0"/>
+              <a:t>10/25/2022</a:t>
+            </a:fld>
+            <a:endParaRPr lang="en-US"/>
+          </a:p>
+        </p:txBody>
+      </p:sp>
+      <p:sp>
+        <p:nvSpPr>
+          <p:cNvPr id="4" name="Slide Image Placeholder 3"/>
+          <p:cNvSpPr>
+            <a:spLocks noGrp="1" noRot="1" noChangeAspect="1"/>
+          </p:cNvSpPr>
+          <p:nvPr>
+            <p:ph type="sldImg" idx="2"/>
+          </p:nvPr>
+        </p:nvSpPr>
+        <p:spPr>
+          <a:xfrm>
+            <a:off x="685800" y="1143000"/>
+            <a:ext cx="5486400" cy="3086100"/>
+          </a:xfrm>
+          <a:prstGeom prst="rect">
+            <a:avLst/>
+          </a:prstGeom>
+          <a:noFill/>
+          <a:ln w="12700">
+            <a:solidFill>
+              <a:prstClr val="black"/>
+            </a:solidFill>
+          </a:ln>
+        </p:spPr>
+        <p:txBody>
+          <a:bodyPr vert="horz" lIns="91440" tIns="45720" rIns="91440" bIns="45720" rtlCol="0" anchor="ctr"/>
+          <a:lstStyle/>
+          <a:p>
+            <a:endParaRPr lang="en-US"/>
+          </a:p>
+        </p:txBody>
+      </p:sp>
+      <p:sp>
+        <p:nvSpPr>
+          <p:cNvPr id="5" name="Notes Placeholder 4"/>
+          <p:cNvSpPr>
+            <a:spLocks noGrp="1"/>
+          </p:cNvSpPr>
+          <p:nvPr>
+            <p:ph type="body" sz="quarter" idx="3"/>
+          </p:nvPr>
+        </p:nvSpPr>
+        <p:spPr>
+          <a:xfrm>
+            <a:off x="685800" y="4400550"/>
+            <a:ext cx="5486400" cy="3600450"/>
+          </a:xfrm>
+          <a:prstGeom prst="rect">
+            <a:avLst/>
+          </a:prstGeom>
+        </p:spPr>
+        <p:txBody>
+          <a:bodyPr vert="horz" lIns="91440" tIns="45720" rIns="91440" bIns="45720" rtlCol="0"/>
+          <a:lstStyle/>
+          <a:p>
+            <a:pPr lvl="0"/>
+            <a:r>
+              <a:rPr lang="en-US"/>
+              <a:t>Click to edit Master text styles</a:t>
+            </a:r>
+          </a:p>
+          <a:p>
+            <a:pPr lvl="1"/>
+            <a:r>
+              <a:rPr lang="en-US"/>
+              <a:t>Second level</a:t>
+            </a:r>
+          </a:p>
+          <a:p>
+            <a:pPr lvl="2"/>
+            <a:r>
+              <a:rPr lang="en-US"/>
+              <a:t>Third level</a:t>
+            </a:r>
+          </a:p>
+          <a:p>
+            <a:pPr lvl="3"/>
+            <a:r>
+              <a:rPr lang="en-US"/>
+              <a:t>Fourth level</a:t>
+            </a:r>
+          </a:p>
+          <a:p>
+            <a:pPr lvl="4"/>
+            <a:r>
+              <a:rPr lang="en-US"/>
+              <a:t>Fifth level</a:t>
+            </a:r>
+          </a:p>
+        </p:txBody>
+      </p:sp>
+      <p:sp>
+        <p:nvSpPr>
+          <p:cNvPr id="6" name="Footer Placeholder 5"/>
+          <p:cNvSpPr>
+            <a:spLocks noGrp="1"/>
+          </p:cNvSpPr>
+          <p:nvPr>
+            <p:ph type="ftr" sz="quarter" idx="4"/>
+          </p:nvPr>
+        </p:nvSpPr>
+        <p:spPr>
+          <a:xfrm>
+            <a:off x="0" y="8685213"/>
+            <a:ext cx="2971800" cy="458787"/>
+          </a:xfrm>
+          <a:prstGeom prst="rect">
+            <a:avLst/>
+          </a:prstGeom>
+        </p:spPr>
+        <p:txBody>
+          <a:bodyPr vert="horz" lIns="91440" tIns="45720" rIns="91440" bIns="45720" rtlCol="0" anchor="b"/>
+          <a:lstStyle>
+            <a:lvl1pPr algn="l">
+              <a:defRPr sz="1200"/>
+            </a:lvl1pPr>
+          </a:lstStyle>
+          <a:p>
+            <a:endParaRPr lang="en-US"/>
+          </a:p>
+        </p:txBody>
+      </p:sp>
+      <p:sp>
+        <p:nvSpPr>
+          <p:cNvPr id="7" name="Slide Number Placeholder 6"/>
+          <p:cNvSpPr>
+            <a:spLocks noGrp="1"/>
+          </p:cNvSpPr>
+          <p:nvPr>
+            <p:ph type="sldNum" sz="quarter" idx="5"/>
+          </p:nvPr>
+        </p:nvSpPr>
+        <p:spPr>
+          <a:xfrm>
+            <a:off x="3884613" y="8685213"/>
+            <a:ext cx="2971800" cy="458787"/>
+          </a:xfrm>
+          <a:prstGeom prst="rect">
+            <a:avLst/>
+          </a:prstGeom>
+        </p:spPr>
+        <p:txBody>
+          <a:bodyPr vert="horz" lIns="91440" tIns="45720" rIns="91440" bIns="45720" rtlCol="0" anchor="b"/>
+          <a:lstStyle>
+            <a:lvl1pPr algn="r">
+              <a:defRPr sz="1200"/>
+            </a:lvl1pPr>
+          </a:lstStyle>
+          <a:p>
+            <a:fld id="{95403741-B5B6-467A-879F-64FAE0489418}" type="slidenum">
+              <a:rPr lang="en-US" smtClean="0"/>
+              <a:t>‹#›</a:t>
+            </a:fld>
+            <a:endParaRPr lang="en-US"/>
+          </a:p>
+        </p:txBody>
+      </p:sp>
+    </p:spTree>
+    <p:extLst>
+      <p:ext uri="{BB962C8B-B14F-4D97-AF65-F5344CB8AC3E}">
+        <p14:creationId xmlns:p14="http://schemas.microsoft.com/office/powerpoint/2010/main" val="98765075"/>
+      </p:ext>
+    </p:extLst>
+  </p:cSld>
+  <p:clrMap bg1="lt1" tx1="dk1" bg2="lt2" tx2="dk2" accent1="accent1" accent2="accent2" accent3="accent3" accent4="accent4" accent5="accent5" accent6="accent6" hlink="hlink" folHlink="folHlink"/>
+  <p:notesStyle>
+    <a:lvl1pPr marL="0" algn="l" defTabSz="914400" rtl="0" eaLnBrk="1" latinLnBrk="0" hangingPunct="1">
+      <a:defRPr sz="1200" kern="1200">
+        <a:solidFill>
+          <a:schemeClr val="tx1"/>
+        </a:solidFill>
+        <a:latin typeface="+mn-lt"/>
+        <a:ea typeface="+mn-ea"/>
+        <a:cs typeface="+mn-cs"/>
+      </a:defRPr>
+    </a:lvl1pPr>
+    <a:lvl2pPr marL="457200" algn="l" defTabSz="914400" rtl="0" eaLnBrk="1" latinLnBrk="0" hangingPunct="1">
+      <a:defRPr sz="1200" kern="1200">
+        <a:solidFill>
+          <a:schemeClr val="tx1"/>
+        </a:solidFill>
+        <a:latin typeface="+mn-lt"/>
+        <a:ea typeface="+mn-ea"/>
+        <a:cs typeface="+mn-cs"/>
+      </a:defRPr>
+    </a:lvl2pPr>
+    <a:lvl3pPr marL="914400" algn="l" defTabSz="914400" rtl="0" eaLnBrk="1" latinLnBrk="0" hangingPunct="1">
+      <a:defRPr sz="1200" kern="1200">
+        <a:solidFill>
+          <a:schemeClr val="tx1"/>
+        </a:solidFill>
+        <a:latin typeface="+mn-lt"/>
+        <a:ea typeface="+mn-ea"/>
+        <a:cs typeface="+mn-cs"/>
+      </a:defRPr>
+    </a:lvl3pPr>
+    <a:lvl4pPr marL="1371600" algn="l" defTabSz="914400" rtl="0" eaLnBrk="1" latinLnBrk="0" hangingPunct="1">
+      <a:defRPr sz="1200" kern="1200">
+        <a:solidFill>
+          <a:schemeClr val="tx1"/>
+        </a:solidFill>
+        <a:latin typeface="+mn-lt"/>
+        <a:ea typeface="+mn-ea"/>
+        <a:cs typeface="+mn-cs"/>
+      </a:defRPr>
+    </a:lvl4pPr>
+    <a:lvl5pPr marL="1828800" algn="l" defTabSz="914400" rtl="0" eaLnBrk="1" latinLnBrk="0" hangingPunct="1">
+      <a:defRPr sz="1200" kern="1200">
+        <a:solidFill>
+          <a:schemeClr val="tx1"/>
+        </a:solidFill>
+        <a:latin typeface="+mn-lt"/>
+        <a:ea typeface="+mn-ea"/>
+        <a:cs typeface="+mn-cs"/>
+      </a:defRPr>
+    </a:lvl5pPr>
+    <a:lvl6pPr marL="2286000" algn="l" defTabSz="914400" rtl="0" eaLnBrk="1" latinLnBrk="0" hangingPunct="1">
+      <a:defRPr sz="1200" kern="1200">
+        <a:solidFill>
+          <a:schemeClr val="tx1"/>
+        </a:solidFill>
+        <a:latin typeface="+mn-lt"/>
+        <a:ea typeface="+mn-ea"/>
+        <a:cs typeface="+mn-cs"/>
+      </a:defRPr>
+    </a:lvl6pPr>
+    <a:lvl7pPr marL="2743200" algn="l" defTabSz="914400" rtl="0" eaLnBrk="1" latinLnBrk="0" hangingPunct="1">
+      <a:defRPr sz="1200" kern="1200">
+        <a:solidFill>
+          <a:schemeClr val="tx1"/>
+        </a:solidFill>
+        <a:latin typeface="+mn-lt"/>
+        <a:ea typeface="+mn-ea"/>
+        <a:cs typeface="+mn-cs"/>
+      </a:defRPr>
+    </a:lvl7pPr>
+    <a:lvl8pPr marL="3200400" algn="l" defTabSz="914400" rtl="0" eaLnBrk="1" latinLnBrk="0" hangingPunct="1">
+      <a:defRPr sz="1200" kern="1200">
+        <a:solidFill>
+          <a:schemeClr val="tx1"/>
+        </a:solidFill>
+        <a:latin typeface="+mn-lt"/>
+        <a:ea typeface="+mn-ea"/>
+        <a:cs typeface="+mn-cs"/>
+      </a:defRPr>
+    </a:lvl8pPr>
+    <a:lvl9pPr marL="3657600" algn="l" defTabSz="914400" rtl="0" eaLnBrk="1" latinLnBrk="0" hangingPunct="1">
+      <a:defRPr sz="1200" kern="1200">
+        <a:solidFill>
+          <a:schemeClr val="tx1"/>
+        </a:solidFill>
+        <a:latin typeface="+mn-lt"/>
+        <a:ea typeface="+mn-ea"/>
+        <a:cs typeface="+mn-cs"/>
+      </a:defRPr>
+    </a:lvl9pPr>
+  </p:notesStyle>
+</p:notesMaster>
+</file>
+
+<file path=ppt/notesSlides/notesSlide1.xml><?xml version="1.0" encoding="utf-8"?>
+<p:notes xmlns:a="http://schemas.openxmlformats.org/drawingml/2006/main" xmlns:r="http://schemas.openxmlformats.org/officeDocument/2006/relationships" xmlns:p="http://schemas.openxmlformats.org/presentationml/2006/main">
+  <p:cSld>
+    <p:spTree>
+      <p:nvGrpSpPr>
+        <p:cNvPr id="1" name=""/>
+        <p:cNvGrpSpPr/>
+        <p:nvPr/>
+      </p:nvGrpSpPr>
+      <p:grpSpPr>
+        <a:xfrm>
+          <a:off x="0" y="0"/>
+          <a:ext cx="0" cy="0"/>
+          <a:chOff x="0" y="0"/>
+          <a:chExt cx="0" cy="0"/>
+        </a:xfrm>
+      </p:grpSpPr>
+      <p:sp>
+        <p:nvSpPr>
+          <p:cNvPr id="2" name="Slide Image Placeholder 1"/>
+          <p:cNvSpPr>
+            <a:spLocks noGrp="1" noRot="1" noChangeAspect="1"/>
+          </p:cNvSpPr>
+          <p:nvPr>
+            <p:ph type="sldImg"/>
+          </p:nvPr>
+        </p:nvSpPr>
+        <p:spPr/>
+      </p:sp>
+      <p:sp>
+        <p:nvSpPr>
+          <p:cNvPr id="3" name="Notes Placeholder 2"/>
+          <p:cNvSpPr>
+            <a:spLocks noGrp="1"/>
+          </p:cNvSpPr>
+          <p:nvPr>
+            <p:ph type="body" idx="1"/>
+          </p:nvPr>
+        </p:nvSpPr>
+        <p:spPr/>
+        <p:txBody>
+          <a:bodyPr/>
+          <a:lstStyle/>
+          <a:p>
+            <a:r>
+              <a:rPr lang="en-US" dirty="0">
+                <a:solidFill>
+                  <a:schemeClr val="bg1"/>
+                </a:solidFill>
+                <a:latin typeface="Rocket Sans Light" panose="020B0302020202020204" pitchFamily="34" charset="0"/>
+                <a:ea typeface="Rocket Sans Light" panose="020B0302020202020204" pitchFamily="34" charset="0"/>
+              </a:rPr>
+              <a:t>Play with a new language / framework without installing it</a:t>
+            </a:r>
+          </a:p>
+          <a:p>
+            <a:r>
+              <a:rPr lang="en-US" dirty="0">
+                <a:solidFill>
+                  <a:schemeClr val="bg1"/>
+                </a:solidFill>
+                <a:latin typeface="Rocket Sans Light" panose="020B0302020202020204" pitchFamily="34" charset="0"/>
+                <a:ea typeface="Rocket Sans Light" panose="020B0302020202020204" pitchFamily="34" charset="0"/>
+              </a:rPr>
+              <a:t>Create a consistent, standard environment for collaboration</a:t>
+            </a:r>
+          </a:p>
+          <a:p>
+            <a:pPr lvl="1"/>
+            <a:r>
+              <a:rPr lang="en-US" dirty="0">
+                <a:solidFill>
+                  <a:schemeClr val="bg1"/>
+                </a:solidFill>
+                <a:latin typeface="Rocket Sans Light" panose="020B0302020202020204" pitchFamily="34" charset="0"/>
+                <a:ea typeface="Rocket Sans Light" panose="020B0302020202020204" pitchFamily="34" charset="0"/>
+              </a:rPr>
+              <a:t>Enterprise</a:t>
+            </a:r>
+          </a:p>
+          <a:p>
+            <a:pPr lvl="1"/>
+            <a:r>
+              <a:rPr lang="en-US" dirty="0">
+                <a:solidFill>
+                  <a:schemeClr val="bg1"/>
+                </a:solidFill>
+                <a:latin typeface="Rocket Sans Light" panose="020B0302020202020204" pitchFamily="34" charset="0"/>
+                <a:ea typeface="Rocket Sans Light" panose="020B0302020202020204" pitchFamily="34" charset="0"/>
+              </a:rPr>
+              <a:t>Open-Source projects</a:t>
+            </a:r>
+          </a:p>
+          <a:p>
+            <a:r>
+              <a:rPr lang="en-US" dirty="0">
+                <a:solidFill>
+                  <a:schemeClr val="bg1"/>
+                </a:solidFill>
+                <a:latin typeface="Rocket Sans Light" panose="020B0302020202020204" pitchFamily="34" charset="0"/>
+                <a:ea typeface="Rocket Sans Light" panose="020B0302020202020204" pitchFamily="34" charset="0"/>
+              </a:rPr>
+              <a:t>Ease the process of onboarding new engineers</a:t>
+            </a:r>
+          </a:p>
+          <a:p>
+            <a:r>
+              <a:rPr lang="en-US" dirty="0">
+                <a:solidFill>
+                  <a:schemeClr val="bg1"/>
+                </a:solidFill>
+                <a:latin typeface="Rocket Sans Light" panose="020B0302020202020204" pitchFamily="34" charset="0"/>
+                <a:ea typeface="Rocket Sans Light" panose="020B0302020202020204" pitchFamily="34" charset="0"/>
+              </a:rPr>
+              <a:t>Explore Pull Requests for repos you don’t actively work on</a:t>
+            </a:r>
+          </a:p>
+          <a:p>
+            <a:endParaRPr lang="en-US" dirty="0"/>
+          </a:p>
+        </p:txBody>
+      </p:sp>
+      <p:sp>
+        <p:nvSpPr>
+          <p:cNvPr id="4" name="Slide Number Placeholder 3"/>
+          <p:cNvSpPr>
+            <a:spLocks noGrp="1"/>
+          </p:cNvSpPr>
+          <p:nvPr>
+            <p:ph type="sldNum" sz="quarter" idx="5"/>
+          </p:nvPr>
+        </p:nvSpPr>
+        <p:spPr/>
+        <p:txBody>
+          <a:bodyPr/>
+          <a:lstStyle/>
+          <a:p>
+            <a:fld id="{95403741-B5B6-467A-879F-64FAE0489418}" type="slidenum">
+              <a:rPr lang="en-US" smtClean="0"/>
+              <a:t>5</a:t>
+            </a:fld>
+            <a:endParaRPr lang="en-US"/>
+          </a:p>
+        </p:txBody>
+      </p:sp>
+    </p:spTree>
+    <p:extLst>
+      <p:ext uri="{BB962C8B-B14F-4D97-AF65-F5344CB8AC3E}">
+        <p14:creationId xmlns:p14="http://schemas.microsoft.com/office/powerpoint/2010/main" val="3096290475"/>
+      </p:ext>
+    </p:extLst>
+  </p:cSld>
+  <p:clrMapOvr>
+    <a:masterClrMapping/>
+  </p:clrMapOvr>
+</p:notes>
+</file>
+
 <file path=ppt/slideLayouts/slideLayout1.xml><?xml version="1.0" encoding="utf-8"?>
 <p:sldLayout xmlns:a="http://schemas.openxmlformats.org/drawingml/2006/main" xmlns:r="http://schemas.openxmlformats.org/officeDocument/2006/relationships" xmlns:p="http://schemas.openxmlformats.org/presentationml/2006/main" type="title" preserve="1">
   <p:cSld name="Title Slide">
@@ -265,7 +775,7 @@
           <a:p>
             <a:fld id="{A1644ED5-DBC8-49E8-8D6E-1C3C2E667529}" type="datetimeFigureOut">
               <a:rPr lang="en-US" smtClean="0"/>
-              <a:t>10/19/2022</a:t>
+              <a:t>10/25/2022</a:t>
             </a:fld>
             <a:endParaRPr lang="en-US"/>
           </a:p>
@@ -463,7 +973,7 @@
           <a:p>
             <a:fld id="{A1644ED5-DBC8-49E8-8D6E-1C3C2E667529}" type="datetimeFigureOut">
               <a:rPr lang="en-US" smtClean="0"/>
-              <a:t>10/19/2022</a:t>
+              <a:t>10/25/2022</a:t>
             </a:fld>
             <a:endParaRPr lang="en-US"/>
           </a:p>
@@ -671,7 +1181,7 @@
           <a:p>
             <a:fld id="{A1644ED5-DBC8-49E8-8D6E-1C3C2E667529}" type="datetimeFigureOut">
               <a:rPr lang="en-US" smtClean="0"/>
-              <a:t>10/19/2022</a:t>
+              <a:t>10/25/2022</a:t>
             </a:fld>
             <a:endParaRPr lang="en-US"/>
           </a:p>
@@ -869,7 +1379,7 @@
           <a:p>
             <a:fld id="{A1644ED5-DBC8-49E8-8D6E-1C3C2E667529}" type="datetimeFigureOut">
               <a:rPr lang="en-US" smtClean="0"/>
-              <a:t>10/19/2022</a:t>
+              <a:t>10/25/2022</a:t>
             </a:fld>
             <a:endParaRPr lang="en-US"/>
           </a:p>
@@ -1144,7 +1654,7 @@
           <a:p>
             <a:fld id="{A1644ED5-DBC8-49E8-8D6E-1C3C2E667529}" type="datetimeFigureOut">
               <a:rPr lang="en-US" smtClean="0"/>
-              <a:t>10/19/2022</a:t>
+              <a:t>10/25/2022</a:t>
             </a:fld>
             <a:endParaRPr lang="en-US"/>
           </a:p>
@@ -1409,7 +1919,7 @@
           <a:p>
             <a:fld id="{A1644ED5-DBC8-49E8-8D6E-1C3C2E667529}" type="datetimeFigureOut">
               <a:rPr lang="en-US" smtClean="0"/>
-              <a:t>10/19/2022</a:t>
+              <a:t>10/25/2022</a:t>
             </a:fld>
             <a:endParaRPr lang="en-US"/>
           </a:p>
@@ -1821,7 +2331,7 @@
           <a:p>
             <a:fld id="{A1644ED5-DBC8-49E8-8D6E-1C3C2E667529}" type="datetimeFigureOut">
               <a:rPr lang="en-US" smtClean="0"/>
-              <a:t>10/19/2022</a:t>
+              <a:t>10/25/2022</a:t>
             </a:fld>
             <a:endParaRPr lang="en-US"/>
           </a:p>
@@ -1962,7 +2472,7 @@
           <a:p>
             <a:fld id="{A1644ED5-DBC8-49E8-8D6E-1C3C2E667529}" type="datetimeFigureOut">
               <a:rPr lang="en-US" smtClean="0"/>
-              <a:t>10/19/2022</a:t>
+              <a:t>10/25/2022</a:t>
             </a:fld>
             <a:endParaRPr lang="en-US"/>
           </a:p>
@@ -2075,7 +2585,7 @@
           <a:p>
             <a:fld id="{A1644ED5-DBC8-49E8-8D6E-1C3C2E667529}" type="datetimeFigureOut">
               <a:rPr lang="en-US" smtClean="0"/>
-              <a:t>10/19/2022</a:t>
+              <a:t>10/25/2022</a:t>
             </a:fld>
             <a:endParaRPr lang="en-US"/>
           </a:p>
@@ -2386,7 +2896,7 @@
           <a:p>
             <a:fld id="{A1644ED5-DBC8-49E8-8D6E-1C3C2E667529}" type="datetimeFigureOut">
               <a:rPr lang="en-US" smtClean="0"/>
-              <a:t>10/19/2022</a:t>
+              <a:t>10/25/2022</a:t>
             </a:fld>
             <a:endParaRPr lang="en-US"/>
           </a:p>
@@ -2674,7 +3184,7 @@
           <a:p>
             <a:fld id="{A1644ED5-DBC8-49E8-8D6E-1C3C2E667529}" type="datetimeFigureOut">
               <a:rPr lang="en-US" smtClean="0"/>
-              <a:t>10/19/2022</a:t>
+              <a:t>10/25/2022</a:t>
             </a:fld>
             <a:endParaRPr lang="en-US"/>
           </a:p>
@@ -2915,7 +3425,7 @@
           <a:p>
             <a:fld id="{A1644ED5-DBC8-49E8-8D6E-1C3C2E667529}" type="datetimeFigureOut">
               <a:rPr lang="en-US" smtClean="0"/>
-              <a:t>10/19/2022</a:t>
+              <a:t>10/25/2022</a:t>
             </a:fld>
             <a:endParaRPr lang="en-US"/>
           </a:p>
@@ -4174,7 +4684,7 @@
           <p:nvPr/>
         </p:nvPicPr>
         <p:blipFill>
-          <a:blip r:embed="rId2">
+          <a:blip r:embed="rId3">
             <a:extLst>
               <a:ext uri="{28A0092B-C50C-407E-A947-70E740481C1C}">
                 <a14:useLocalDpi xmlns:a14="http://schemas.microsoft.com/office/drawing/2010/main" val="0"/>
@@ -4186,9 +4696,9 @@
           </a:stretch>
         </p:blipFill>
         <p:spPr>
-          <a:xfrm rot="19267987">
-            <a:off x="-1566174" y="707015"/>
-            <a:ext cx="9572624" cy="4786312"/>
+          <a:xfrm rot="20745601">
+            <a:off x="-123863" y="173189"/>
+            <a:ext cx="12647051" cy="6323526"/>
           </a:xfrm>
           <a:prstGeom prst="rect">
             <a:avLst/>
@@ -4225,107 +4735,6 @@
                 <a:ea typeface="Rocket Sans Medium" panose="020B0702020202020204" pitchFamily="34" charset="0"/>
               </a:rPr>
               <a:t>What can I do?</a:t>
-            </a:r>
-          </a:p>
-        </p:txBody>
-      </p:sp>
-      <p:sp>
-        <p:nvSpPr>
-          <p:cNvPr id="3" name="Content Placeholder 2">
-            <a:extLst>
-              <a:ext uri="{FF2B5EF4-FFF2-40B4-BE49-F238E27FC236}">
-                <a16:creationId xmlns:a16="http://schemas.microsoft.com/office/drawing/2014/main" id="{86FA15F6-2455-9713-7078-367E6F9B1602}"/>
-              </a:ext>
-            </a:extLst>
-          </p:cNvPr>
-          <p:cNvSpPr>
-            <a:spLocks noGrp="1"/>
-          </p:cNvSpPr>
-          <p:nvPr>
-            <p:ph idx="1"/>
-          </p:nvPr>
-        </p:nvSpPr>
-        <p:spPr>
-          <a:xfrm>
-            <a:off x="5669145" y="1468177"/>
-            <a:ext cx="6342745" cy="5024697"/>
-          </a:xfrm>
-        </p:spPr>
-        <p:txBody>
-          <a:bodyPr/>
-          <a:lstStyle/>
-          <a:p>
-            <a:r>
-              <a:rPr lang="en-US" dirty="0">
-                <a:solidFill>
-                  <a:schemeClr val="bg1"/>
-                </a:solidFill>
-                <a:latin typeface="Rocket Sans Light" panose="020B0302020202020204" pitchFamily="34" charset="0"/>
-                <a:ea typeface="Rocket Sans Light" panose="020B0302020202020204" pitchFamily="34" charset="0"/>
-              </a:rPr>
-              <a:t>Play with a new language / framework without installing it</a:t>
-            </a:r>
-          </a:p>
-          <a:p>
-            <a:r>
-              <a:rPr lang="en-US" dirty="0">
-                <a:solidFill>
-                  <a:schemeClr val="bg1"/>
-                </a:solidFill>
-                <a:latin typeface="Rocket Sans Light" panose="020B0302020202020204" pitchFamily="34" charset="0"/>
-                <a:ea typeface="Rocket Sans Light" panose="020B0302020202020204" pitchFamily="34" charset="0"/>
-              </a:rPr>
-              <a:t>Create a consistent, standard environment for collaboration</a:t>
-            </a:r>
-          </a:p>
-          <a:p>
-            <a:pPr lvl="1"/>
-            <a:r>
-              <a:rPr lang="en-US" dirty="0">
-                <a:solidFill>
-                  <a:schemeClr val="bg1"/>
-                </a:solidFill>
-                <a:latin typeface="Rocket Sans Light" panose="020B0302020202020204" pitchFamily="34" charset="0"/>
-                <a:ea typeface="Rocket Sans Light" panose="020B0302020202020204" pitchFamily="34" charset="0"/>
-              </a:rPr>
-              <a:t>Enterprise</a:t>
-            </a:r>
-          </a:p>
-          <a:p>
-            <a:pPr lvl="1"/>
-            <a:r>
-              <a:rPr lang="en-US" dirty="0">
-                <a:solidFill>
-                  <a:schemeClr val="bg1"/>
-                </a:solidFill>
-                <a:latin typeface="Rocket Sans Light" panose="020B0302020202020204" pitchFamily="34" charset="0"/>
-                <a:ea typeface="Rocket Sans Light" panose="020B0302020202020204" pitchFamily="34" charset="0"/>
-              </a:rPr>
-              <a:t>Open-Source projects</a:t>
-            </a:r>
-          </a:p>
-          <a:p>
-            <a:r>
-              <a:rPr lang="en-US" dirty="0">
-                <a:solidFill>
-                  <a:schemeClr val="bg1"/>
-                </a:solidFill>
-                <a:latin typeface="Rocket Sans Light" panose="020B0302020202020204" pitchFamily="34" charset="0"/>
-                <a:ea typeface="Rocket Sans Light" panose="020B0302020202020204" pitchFamily="34" charset="0"/>
-              </a:rPr>
-              <a:t>Ease the process of onboarding new engineers</a:t>
-            </a:r>
-          </a:p>
-          <a:p>
-            <a:r>
-              <a:rPr lang="en-US" dirty="0">
-                <a:solidFill>
-                  <a:schemeClr val="bg1"/>
-                </a:solidFill>
-                <a:latin typeface="Rocket Sans Light" panose="020B0302020202020204" pitchFamily="34" charset="0"/>
-                <a:ea typeface="Rocket Sans Light" panose="020B0302020202020204" pitchFamily="34" charset="0"/>
-              </a:rPr>
-              <a:t>Explore Pull Requests for repos you don’t actively work on</a:t>
             </a:r>
           </a:p>
         </p:txBody>
@@ -5725,6 +6134,301 @@
 </a:theme>
 </file>
 
+<file path=ppt/theme/theme2.xml><?xml version="1.0" encoding="utf-8"?>
+<a:theme xmlns:a="http://schemas.openxmlformats.org/drawingml/2006/main" name="Office Theme">
+  <a:themeElements>
+    <a:clrScheme name="Office">
+      <a:dk1>
+        <a:sysClr val="windowText" lastClr="000000"/>
+      </a:dk1>
+      <a:lt1>
+        <a:sysClr val="window" lastClr="FFFFFF"/>
+      </a:lt1>
+      <a:dk2>
+        <a:srgbClr val="44546A"/>
+      </a:dk2>
+      <a:lt2>
+        <a:srgbClr val="E7E6E6"/>
+      </a:lt2>
+      <a:accent1>
+        <a:srgbClr val="4472C4"/>
+      </a:accent1>
+      <a:accent2>
+        <a:srgbClr val="ED7D31"/>
+      </a:accent2>
+      <a:accent3>
+        <a:srgbClr val="A5A5A5"/>
+      </a:accent3>
+      <a:accent4>
+        <a:srgbClr val="FFC000"/>
+      </a:accent4>
+      <a:accent5>
+        <a:srgbClr val="5B9BD5"/>
+      </a:accent5>
+      <a:accent6>
+        <a:srgbClr val="70AD47"/>
+      </a:accent6>
+      <a:hlink>
+        <a:srgbClr val="0563C1"/>
+      </a:hlink>
+      <a:folHlink>
+        <a:srgbClr val="954F72"/>
+      </a:folHlink>
+    </a:clrScheme>
+    <a:fontScheme name="Office">
+      <a:majorFont>
+        <a:latin typeface="Calibri Light" panose="020F0302020204030204"/>
+        <a:ea typeface=""/>
+        <a:cs typeface=""/>
+        <a:font script="Jpan" typeface="游ゴシック Light"/>
+        <a:font script="Hang" typeface="맑은 고딕"/>
+        <a:font script="Hans" typeface="等线 Light"/>
+        <a:font script="Hant" typeface="新細明體"/>
+        <a:font script="Arab" typeface="Times New Roman"/>
+        <a:font script="Hebr" typeface="Times New Roman"/>
+        <a:font script="Thai" typeface="Angsana New"/>
+        <a:font script="Ethi" typeface="Nyala"/>
+        <a:font script="Beng" typeface="Vrinda"/>
+        <a:font script="Gujr" typeface="Shruti"/>
+        <a:font script="Khmr" typeface="MoolBoran"/>
+        <a:font script="Knda" typeface="Tunga"/>
+        <a:font script="Guru" typeface="Raavi"/>
+        <a:font script="Cans" typeface="Euphemia"/>
+        <a:font script="Cher" typeface="Plantagenet Cherokee"/>
+        <a:font script="Yiii" typeface="Microsoft Yi Baiti"/>
+        <a:font script="Tibt" typeface="Microsoft Himalaya"/>
+        <a:font script="Thaa" typeface="MV Boli"/>
+        <a:font script="Deva" typeface="Mangal"/>
+        <a:font script="Telu" typeface="Gautami"/>
+        <a:font script="Taml" typeface="Latha"/>
+        <a:font script="Syrc" typeface="Estrangelo Edessa"/>
+        <a:font script="Orya" typeface="Kalinga"/>
+        <a:font script="Mlym" typeface="Kartika"/>
+        <a:font script="Laoo" typeface="DokChampa"/>
+        <a:font script="Sinh" typeface="Iskoola Pota"/>
+        <a:font script="Mong" typeface="Mongolian Baiti"/>
+        <a:font script="Viet" typeface="Times New Roman"/>
+        <a:font script="Uigh" typeface="Microsoft Uighur"/>
+        <a:font script="Geor" typeface="Sylfaen"/>
+        <a:font script="Armn" typeface="Arial"/>
+        <a:font script="Bugi" typeface="Leelawadee UI"/>
+        <a:font script="Bopo" typeface="Microsoft JhengHei"/>
+        <a:font script="Java" typeface="Javanese Text"/>
+        <a:font script="Lisu" typeface="Segoe UI"/>
+        <a:font script="Mymr" typeface="Myanmar Text"/>
+        <a:font script="Nkoo" typeface="Ebrima"/>
+        <a:font script="Olck" typeface="Nirmala UI"/>
+        <a:font script="Osma" typeface="Ebrima"/>
+        <a:font script="Phag" typeface="Phagspa"/>
+        <a:font script="Syrn" typeface="Estrangelo Edessa"/>
+        <a:font script="Syrj" typeface="Estrangelo Edessa"/>
+        <a:font script="Syre" typeface="Estrangelo Edessa"/>
+        <a:font script="Sora" typeface="Nirmala UI"/>
+        <a:font script="Tale" typeface="Microsoft Tai Le"/>
+        <a:font script="Talu" typeface="Microsoft New Tai Lue"/>
+        <a:font script="Tfng" typeface="Ebrima"/>
+      </a:majorFont>
+      <a:minorFont>
+        <a:latin typeface="Calibri" panose="020F0502020204030204"/>
+        <a:ea typeface=""/>
+        <a:cs typeface=""/>
+        <a:font script="Jpan" typeface="游ゴシック"/>
+        <a:font script="Hang" typeface="맑은 고딕"/>
+        <a:font script="Hans" typeface="等线"/>
+        <a:font script="Hant" typeface="新細明體"/>
+        <a:font script="Arab" typeface="Arial"/>
+        <a:font script="Hebr" typeface="Arial"/>
+        <a:font script="Thai" typeface="Cordia New"/>
+        <a:font script="Ethi" typeface="Nyala"/>
+        <a:font script="Beng" typeface="Vrinda"/>
+        <a:font script="Gujr" typeface="Shruti"/>
+        <a:font script="Khmr" typeface="DaunPenh"/>
+        <a:font script="Knda" typeface="Tunga"/>
+        <a:font script="Guru" typeface="Raavi"/>
+        <a:font script="Cans" typeface="Euphemia"/>
+        <a:font script="Cher" typeface="Plantagenet Cherokee"/>
+        <a:font script="Yiii" typeface="Microsoft Yi Baiti"/>
+        <a:font script="Tibt" typeface="Microsoft Himalaya"/>
+        <a:font script="Thaa" typeface="MV Boli"/>
+        <a:font script="Deva" typeface="Mangal"/>
+        <a:font script="Telu" typeface="Gautami"/>
+        <a:font script="Taml" typeface="Latha"/>
+        <a:font script="Syrc" typeface="Estrangelo Edessa"/>
+        <a:font script="Orya" typeface="Kalinga"/>
+        <a:font script="Mlym" typeface="Kartika"/>
+        <a:font script="Laoo" typeface="DokChampa"/>
+        <a:font script="Sinh" typeface="Iskoola Pota"/>
+        <a:font script="Mong" typeface="Mongolian Baiti"/>
+        <a:font script="Viet" typeface="Arial"/>
+        <a:font script="Uigh" typeface="Microsoft Uighur"/>
+        <a:font script="Geor" typeface="Sylfaen"/>
+        <a:font script="Armn" typeface="Arial"/>
+        <a:font script="Bugi" typeface="Leelawadee UI"/>
+        <a:font script="Bopo" typeface="Microsoft JhengHei"/>
+        <a:font script="Java" typeface="Javanese Text"/>
+        <a:font script="Lisu" typeface="Segoe UI"/>
+        <a:font script="Mymr" typeface="Myanmar Text"/>
+        <a:font script="Nkoo" typeface="Ebrima"/>
+        <a:font script="Olck" typeface="Nirmala UI"/>
+        <a:font script="Osma" typeface="Ebrima"/>
+        <a:font script="Phag" typeface="Phagspa"/>
+        <a:font script="Syrn" typeface="Estrangelo Edessa"/>
+        <a:font script="Syrj" typeface="Estrangelo Edessa"/>
+        <a:font script="Syre" typeface="Estrangelo Edessa"/>
+        <a:font script="Sora" typeface="Nirmala UI"/>
+        <a:font script="Tale" typeface="Microsoft Tai Le"/>
+        <a:font script="Talu" typeface="Microsoft New Tai Lue"/>
+        <a:font script="Tfng" typeface="Ebrima"/>
+      </a:minorFont>
+    </a:fontScheme>
+    <a:fmtScheme name="Office">
+      <a:fillStyleLst>
+        <a:solidFill>
+          <a:schemeClr val="phClr"/>
+        </a:solidFill>
+        <a:gradFill rotWithShape="1">
+          <a:gsLst>
+            <a:gs pos="0">
+              <a:schemeClr val="phClr">
+                <a:lumMod val="110000"/>
+                <a:satMod val="105000"/>
+                <a:tint val="67000"/>
+              </a:schemeClr>
+            </a:gs>
+            <a:gs pos="50000">
+              <a:schemeClr val="phClr">
+                <a:lumMod val="105000"/>
+                <a:satMod val="103000"/>
+                <a:tint val="73000"/>
+              </a:schemeClr>
+            </a:gs>
+            <a:gs pos="100000">
+              <a:schemeClr val="phClr">
+                <a:lumMod val="105000"/>
+                <a:satMod val="109000"/>
+                <a:tint val="81000"/>
+              </a:schemeClr>
+            </a:gs>
+          </a:gsLst>
+          <a:lin ang="5400000" scaled="0"/>
+        </a:gradFill>
+        <a:gradFill rotWithShape="1">
+          <a:gsLst>
+            <a:gs pos="0">
+              <a:schemeClr val="phClr">
+                <a:satMod val="103000"/>
+                <a:lumMod val="102000"/>
+                <a:tint val="94000"/>
+              </a:schemeClr>
+            </a:gs>
+            <a:gs pos="50000">
+              <a:schemeClr val="phClr">
+                <a:satMod val="110000"/>
+                <a:lumMod val="100000"/>
+                <a:shade val="100000"/>
+              </a:schemeClr>
+            </a:gs>
+            <a:gs pos="100000">
+              <a:schemeClr val="phClr">
+                <a:lumMod val="99000"/>
+                <a:satMod val="120000"/>
+                <a:shade val="78000"/>
+              </a:schemeClr>
+            </a:gs>
+          </a:gsLst>
+          <a:lin ang="5400000" scaled="0"/>
+        </a:gradFill>
+      </a:fillStyleLst>
+      <a:lnStyleLst>
+        <a:ln w="6350" cap="flat" cmpd="sng" algn="ctr">
+          <a:solidFill>
+            <a:schemeClr val="phClr"/>
+          </a:solidFill>
+          <a:prstDash val="solid"/>
+          <a:miter lim="800000"/>
+        </a:ln>
+        <a:ln w="12700" cap="flat" cmpd="sng" algn="ctr">
+          <a:solidFill>
+            <a:schemeClr val="phClr"/>
+          </a:solidFill>
+          <a:prstDash val="solid"/>
+          <a:miter lim="800000"/>
+        </a:ln>
+        <a:ln w="19050" cap="flat" cmpd="sng" algn="ctr">
+          <a:solidFill>
+            <a:schemeClr val="phClr"/>
+          </a:solidFill>
+          <a:prstDash val="solid"/>
+          <a:miter lim="800000"/>
+        </a:ln>
+      </a:lnStyleLst>
+      <a:effectStyleLst>
+        <a:effectStyle>
+          <a:effectLst/>
+        </a:effectStyle>
+        <a:effectStyle>
+          <a:effectLst/>
+        </a:effectStyle>
+        <a:effectStyle>
+          <a:effectLst>
+            <a:outerShdw blurRad="57150" dist="19050" dir="5400000" algn="ctr" rotWithShape="0">
+              <a:srgbClr val="000000">
+                <a:alpha val="63000"/>
+              </a:srgbClr>
+            </a:outerShdw>
+          </a:effectLst>
+        </a:effectStyle>
+      </a:effectStyleLst>
+      <a:bgFillStyleLst>
+        <a:solidFill>
+          <a:schemeClr val="phClr"/>
+        </a:solidFill>
+        <a:solidFill>
+          <a:schemeClr val="phClr">
+            <a:tint val="95000"/>
+            <a:satMod val="170000"/>
+          </a:schemeClr>
+        </a:solidFill>
+        <a:gradFill rotWithShape="1">
+          <a:gsLst>
+            <a:gs pos="0">
+              <a:schemeClr val="phClr">
+                <a:tint val="93000"/>
+                <a:satMod val="150000"/>
+                <a:shade val="98000"/>
+                <a:lumMod val="102000"/>
+              </a:schemeClr>
+            </a:gs>
+            <a:gs pos="50000">
+              <a:schemeClr val="phClr">
+                <a:tint val="98000"/>
+                <a:satMod val="130000"/>
+                <a:shade val="90000"/>
+                <a:lumMod val="103000"/>
+              </a:schemeClr>
+            </a:gs>
+            <a:gs pos="100000">
+              <a:schemeClr val="phClr">
+                <a:shade val="63000"/>
+                <a:satMod val="120000"/>
+              </a:schemeClr>
+            </a:gs>
+          </a:gsLst>
+          <a:lin ang="5400000" scaled="0"/>
+        </a:gradFill>
+      </a:bgFillStyleLst>
+    </a:fmtScheme>
+  </a:themeElements>
+  <a:objectDefaults/>
+  <a:extraClrSchemeLst/>
+  <a:extLst>
+    <a:ext uri="{05A4C25C-085E-4340-85A3-A5531E510DB2}">
+      <thm15:themeFamily xmlns:thm15="http://schemas.microsoft.com/office/thememl/2012/main" name="Office Theme" id="{62F939B6-93AF-4DB8-9C6B-D6C7DFDC589F}" vid="{4A3C46E8-61CC-4603-A589-7422A47A8E4A}"/>
+    </a:ext>
+  </a:extLst>
+</a:theme>
+</file>
+
 <file path=docMetadata/LabelInfo.xml><?xml version="1.0" encoding="utf-8"?>
 <clbl:labelList xmlns:clbl="http://schemas.microsoft.com/office/2020/mipLabelMetadata">
   <clbl:label id="{807724ff-9999-494f-b257-05dacc46ac87}" enabled="1" method="Standard" siteId="{e58c8e81-abd8-48a8-929d-eb67611b83bd}" contentBits="0" removed="0"/>

--- a/Press Button, Get Development Environment.pptx
+++ b/Press Button, Get Development Environment.pptx
@@ -203,7 +203,7 @@
           <a:p>
             <a:fld id="{94D9A9AC-593C-4C0C-8E79-4C4E284D9A19}" type="datetimeFigureOut">
               <a:rPr lang="en-US" smtClean="0"/>
-              <a:t>10/25/2022</a:t>
+              <a:t>1/30/2023</a:t>
             </a:fld>
             <a:endParaRPr lang="en-US"/>
           </a:p>
@@ -775,7 +775,7 @@
           <a:p>
             <a:fld id="{A1644ED5-DBC8-49E8-8D6E-1C3C2E667529}" type="datetimeFigureOut">
               <a:rPr lang="en-US" smtClean="0"/>
-              <a:t>10/25/2022</a:t>
+              <a:t>1/30/2023</a:t>
             </a:fld>
             <a:endParaRPr lang="en-US"/>
           </a:p>
@@ -973,7 +973,7 @@
           <a:p>
             <a:fld id="{A1644ED5-DBC8-49E8-8D6E-1C3C2E667529}" type="datetimeFigureOut">
               <a:rPr lang="en-US" smtClean="0"/>
-              <a:t>10/25/2022</a:t>
+              <a:t>1/30/2023</a:t>
             </a:fld>
             <a:endParaRPr lang="en-US"/>
           </a:p>
@@ -1181,7 +1181,7 @@
           <a:p>
             <a:fld id="{A1644ED5-DBC8-49E8-8D6E-1C3C2E667529}" type="datetimeFigureOut">
               <a:rPr lang="en-US" smtClean="0"/>
-              <a:t>10/25/2022</a:t>
+              <a:t>1/30/2023</a:t>
             </a:fld>
             <a:endParaRPr lang="en-US"/>
           </a:p>
@@ -1379,7 +1379,7 @@
           <a:p>
             <a:fld id="{A1644ED5-DBC8-49E8-8D6E-1C3C2E667529}" type="datetimeFigureOut">
               <a:rPr lang="en-US" smtClean="0"/>
-              <a:t>10/25/2022</a:t>
+              <a:t>1/30/2023</a:t>
             </a:fld>
             <a:endParaRPr lang="en-US"/>
           </a:p>
@@ -1654,7 +1654,7 @@
           <a:p>
             <a:fld id="{A1644ED5-DBC8-49E8-8D6E-1C3C2E667529}" type="datetimeFigureOut">
               <a:rPr lang="en-US" smtClean="0"/>
-              <a:t>10/25/2022</a:t>
+              <a:t>1/30/2023</a:t>
             </a:fld>
             <a:endParaRPr lang="en-US"/>
           </a:p>
@@ -1919,7 +1919,7 @@
           <a:p>
             <a:fld id="{A1644ED5-DBC8-49E8-8D6E-1C3C2E667529}" type="datetimeFigureOut">
               <a:rPr lang="en-US" smtClean="0"/>
-              <a:t>10/25/2022</a:t>
+              <a:t>1/30/2023</a:t>
             </a:fld>
             <a:endParaRPr lang="en-US"/>
           </a:p>
@@ -2331,7 +2331,7 @@
           <a:p>
             <a:fld id="{A1644ED5-DBC8-49E8-8D6E-1C3C2E667529}" type="datetimeFigureOut">
               <a:rPr lang="en-US" smtClean="0"/>
-              <a:t>10/25/2022</a:t>
+              <a:t>1/30/2023</a:t>
             </a:fld>
             <a:endParaRPr lang="en-US"/>
           </a:p>
@@ -2472,7 +2472,7 @@
           <a:p>
             <a:fld id="{A1644ED5-DBC8-49E8-8D6E-1C3C2E667529}" type="datetimeFigureOut">
               <a:rPr lang="en-US" smtClean="0"/>
-              <a:t>10/25/2022</a:t>
+              <a:t>1/30/2023</a:t>
             </a:fld>
             <a:endParaRPr lang="en-US"/>
           </a:p>
@@ -2585,7 +2585,7 @@
           <a:p>
             <a:fld id="{A1644ED5-DBC8-49E8-8D6E-1C3C2E667529}" type="datetimeFigureOut">
               <a:rPr lang="en-US" smtClean="0"/>
-              <a:t>10/25/2022</a:t>
+              <a:t>1/30/2023</a:t>
             </a:fld>
             <a:endParaRPr lang="en-US"/>
           </a:p>
@@ -2896,7 +2896,7 @@
           <a:p>
             <a:fld id="{A1644ED5-DBC8-49E8-8D6E-1C3C2E667529}" type="datetimeFigureOut">
               <a:rPr lang="en-US" smtClean="0"/>
-              <a:t>10/25/2022</a:t>
+              <a:t>1/30/2023</a:t>
             </a:fld>
             <a:endParaRPr lang="en-US"/>
           </a:p>
@@ -3184,7 +3184,7 @@
           <a:p>
             <a:fld id="{A1644ED5-DBC8-49E8-8D6E-1C3C2E667529}" type="datetimeFigureOut">
               <a:rPr lang="en-US" smtClean="0"/>
-              <a:t>10/25/2022</a:t>
+              <a:t>1/30/2023</a:t>
             </a:fld>
             <a:endParaRPr lang="en-US"/>
           </a:p>
@@ -3425,7 +3425,7 @@
           <a:p>
             <a:fld id="{A1644ED5-DBC8-49E8-8D6E-1C3C2E667529}" type="datetimeFigureOut">
               <a:rPr lang="en-US" smtClean="0"/>
-              <a:t>10/25/2022</a:t>
+              <a:t>1/30/2023</a:t>
             </a:fld>
             <a:endParaRPr lang="en-US"/>
           </a:p>
@@ -4435,6 +4435,53 @@
           </a:p>
         </p:txBody>
       </p:sp>
+      <p:pic>
+        <p:nvPicPr>
+          <p:cNvPr id="1026" name="Picture 2" descr="say it works on my machine one more time - Samuel L Jackson - Meme Generator">
+            <a:extLst>
+              <a:ext uri="{FF2B5EF4-FFF2-40B4-BE49-F238E27FC236}">
+                <a16:creationId xmlns:a16="http://schemas.microsoft.com/office/drawing/2014/main" id="{88D4A94F-56B3-2895-A803-92D4559022A8}"/>
+              </a:ext>
+            </a:extLst>
+          </p:cNvPr>
+          <p:cNvPicPr>
+            <a:picLocks noChangeAspect="1" noChangeArrowheads="1"/>
+          </p:cNvPicPr>
+          <p:nvPr/>
+        </p:nvPicPr>
+        <p:blipFill>
+          <a:blip r:embed="rId3">
+            <a:extLst>
+              <a:ext uri="{28A0092B-C50C-407E-A947-70E740481C1C}">
+                <a14:useLocalDpi xmlns:a14="http://schemas.microsoft.com/office/drawing/2010/main" val="0"/>
+              </a:ext>
+            </a:extLst>
+          </a:blip>
+          <a:srcRect/>
+          <a:stretch>
+            <a:fillRect/>
+          </a:stretch>
+        </p:blipFill>
+        <p:spPr bwMode="auto">
+          <a:xfrm>
+            <a:off x="2589855" y="1500739"/>
+            <a:ext cx="7239000" cy="5095875"/>
+          </a:xfrm>
+          <a:prstGeom prst="rect">
+            <a:avLst/>
+          </a:prstGeom>
+          <a:noFill/>
+          <a:extLst>
+            <a:ext uri="{909E8E84-426E-40DD-AFC4-6F175D3DCCD1}">
+              <a14:hiddenFill xmlns:a14="http://schemas.microsoft.com/office/drawing/2010/main">
+                <a:solidFill>
+                  <a:srgbClr val="FFFFFF"/>
+                </a:solidFill>
+              </a14:hiddenFill>
+            </a:ext>
+          </a:extLst>
+        </p:spPr>
+      </p:pic>
     </p:spTree>
     <p:extLst>
       <p:ext uri="{BB962C8B-B14F-4D97-AF65-F5344CB8AC3E}">
@@ -4445,6 +4492,89 @@
   <p:clrMapOvr>
     <a:masterClrMapping/>
   </p:clrMapOvr>
+  <p:timing>
+    <p:tnLst>
+      <p:par>
+        <p:cTn id="1" dur="indefinite" restart="never" nodeType="tmRoot">
+          <p:childTnLst>
+            <p:seq concurrent="1" nextAc="seek">
+              <p:cTn id="2" dur="indefinite" nodeType="mainSeq">
+                <p:childTnLst>
+                  <p:par>
+                    <p:cTn id="3" fill="hold">
+                      <p:stCondLst>
+                        <p:cond delay="indefinite"/>
+                      </p:stCondLst>
+                      <p:childTnLst>
+                        <p:par>
+                          <p:cTn id="4" fill="hold">
+                            <p:stCondLst>
+                              <p:cond delay="0"/>
+                            </p:stCondLst>
+                            <p:childTnLst>
+                              <p:par>
+                                <p:cTn id="5" presetID="10" presetClass="entr" presetSubtype="0" fill="hold" nodeType="clickEffect">
+                                  <p:stCondLst>
+                                    <p:cond delay="0"/>
+                                  </p:stCondLst>
+                                  <p:childTnLst>
+                                    <p:set>
+                                      <p:cBhvr>
+                                        <p:cTn id="6" dur="1" fill="hold">
+                                          <p:stCondLst>
+                                            <p:cond delay="0"/>
+                                          </p:stCondLst>
+                                        </p:cTn>
+                                        <p:tgtEl>
+                                          <p:spTgt spid="1026"/>
+                                        </p:tgtEl>
+                                        <p:attrNameLst>
+                                          <p:attrName>style.visibility</p:attrName>
+                                        </p:attrNameLst>
+                                      </p:cBhvr>
+                                      <p:to>
+                                        <p:strVal val="visible"/>
+                                      </p:to>
+                                    </p:set>
+                                    <p:animEffect transition="in" filter="fade">
+                                      <p:cBhvr>
+                                        <p:cTn id="7" dur="500"/>
+                                        <p:tgtEl>
+                                          <p:spTgt spid="1026"/>
+                                        </p:tgtEl>
+                                      </p:cBhvr>
+                                    </p:animEffect>
+                                  </p:childTnLst>
+                                </p:cTn>
+                              </p:par>
+                            </p:childTnLst>
+                          </p:cTn>
+                        </p:par>
+                      </p:childTnLst>
+                    </p:cTn>
+                  </p:par>
+                </p:childTnLst>
+              </p:cTn>
+              <p:prevCondLst>
+                <p:cond evt="onPrev" delay="0">
+                  <p:tgtEl>
+                    <p:sldTgt/>
+                  </p:tgtEl>
+                </p:cond>
+              </p:prevCondLst>
+              <p:nextCondLst>
+                <p:cond evt="onNext" delay="0">
+                  <p:tgtEl>
+                    <p:sldTgt/>
+                  </p:tgtEl>
+                </p:cond>
+              </p:nextCondLst>
+            </p:seq>
+          </p:childTnLst>
+        </p:cTn>
+      </p:par>
+    </p:tnLst>
+  </p:timing>
 </p:sld>
 </file>
 
